--- a/Cloud Basics.pptx
+++ b/Cloud Basics.pptx
@@ -19,6 +19,14 @@
     <p:sldId id="267" r:id="rId13"/>
     <p:sldId id="268" r:id="rId14"/>
     <p:sldId id="269" r:id="rId15"/>
+    <p:sldId id="270" r:id="rId16"/>
+    <p:sldId id="271" r:id="rId17"/>
+    <p:sldId id="272" r:id="rId18"/>
+    <p:sldId id="273" r:id="rId19"/>
+    <p:sldId id="274" r:id="rId20"/>
+    <p:sldId id="275" r:id="rId21"/>
+    <p:sldId id="276" r:id="rId22"/>
+    <p:sldId id="277" r:id="rId23"/>
   </p:sldIdLst>
   <p:sldSz cx="12192000" cy="6858000"/>
   <p:notesSz cx="6858000" cy="9144000"/>
@@ -6357,6 +6365,20 @@
               <a:t> layer Performance</a:t>
             </a:r>
           </a:p>
+          <a:p>
+            <a:r>
+              <a:rPr lang="en-IN" dirty="0"/>
+              <a:t>Ex: </a:t>
+            </a:r>
+            <a:r>
+              <a:rPr lang="en-IN" dirty="0" err="1"/>
+              <a:t>Vmware</a:t>
+            </a:r>
+            <a:r>
+              <a:rPr lang="en-IN" dirty="0"/>
+              <a:t> Workstation, Virtual Box, Vagrant</a:t>
+            </a:r>
+          </a:p>
         </p:txBody>
       </p:sp>
     </p:spTree>
@@ -7082,21 +7104,14 @@
           <a:p>
             <a:r>
               <a:rPr lang="en-IN" dirty="0"/>
-              <a:t>Because of tuning option that will be available on base OS, we can </a:t>
-            </a:r>
-            <a:r>
-              <a:rPr lang="en-IN" dirty="0" err="1"/>
-              <a:t>can</a:t>
-            </a:r>
-            <a:r>
-              <a:rPr lang="en-IN" dirty="0"/>
-              <a:t> give higher </a:t>
-            </a:r>
-            <a:r>
-              <a:rPr lang="en-IN" dirty="0" err="1"/>
-              <a:t>performnce</a:t>
-            </a:r>
-            <a:endParaRPr lang="en-IN" dirty="0"/>
+              <a:t>Because of tuning option that will be available on base OS, we can give higher performance</a:t>
+            </a:r>
+          </a:p>
+          <a:p>
+            <a:r>
+              <a:rPr lang="en-IN" dirty="0"/>
+              <a:t>Ex: VMware ESXI, Open Shift</a:t>
+            </a:r>
           </a:p>
         </p:txBody>
       </p:sp>
@@ -7490,6 +7505,741 @@
 </p:sld>
 </file>
 
+<file path=ppt/slides/slide15.xml><?xml version="1.0" encoding="utf-8"?>
+<p:sld xmlns:a="http://schemas.openxmlformats.org/drawingml/2006/main" xmlns:r="http://schemas.openxmlformats.org/officeDocument/2006/relationships" xmlns:p="http://schemas.openxmlformats.org/presentationml/2006/main">
+  <p:cSld>
+    <p:spTree>
+      <p:nvGrpSpPr>
+        <p:cNvPr id="1" name=""/>
+        <p:cNvGrpSpPr/>
+        <p:nvPr/>
+      </p:nvGrpSpPr>
+      <p:grpSpPr>
+        <a:xfrm>
+          <a:off x="0" y="0"/>
+          <a:ext cx="0" cy="0"/>
+          <a:chOff x="0" y="0"/>
+          <a:chExt cx="0" cy="0"/>
+        </a:xfrm>
+      </p:grpSpPr>
+      <p:sp>
+        <p:nvSpPr>
+          <p:cNvPr id="2" name="Title 1">
+            <a:extLst>
+              <a:ext uri="{FF2B5EF4-FFF2-40B4-BE49-F238E27FC236}">
+                <a16:creationId xmlns:a16="http://schemas.microsoft.com/office/drawing/2014/main" id="{67A45B3E-6FDE-4B93-8F5E-68191A50CA29}"/>
+              </a:ext>
+            </a:extLst>
+          </p:cNvPr>
+          <p:cNvSpPr>
+            <a:spLocks noGrp="1"/>
+          </p:cNvSpPr>
+          <p:nvPr>
+            <p:ph type="title"/>
+          </p:nvPr>
+        </p:nvSpPr>
+        <p:spPr/>
+        <p:txBody>
+          <a:bodyPr/>
+          <a:lstStyle/>
+          <a:p>
+            <a:r>
+              <a:rPr lang="en-IN" dirty="0"/>
+              <a:t>Cloud</a:t>
+            </a:r>
+          </a:p>
+        </p:txBody>
+      </p:sp>
+      <p:sp>
+        <p:nvSpPr>
+          <p:cNvPr id="3" name="Content Placeholder 2">
+            <a:extLst>
+              <a:ext uri="{FF2B5EF4-FFF2-40B4-BE49-F238E27FC236}">
+                <a16:creationId xmlns:a16="http://schemas.microsoft.com/office/drawing/2014/main" id="{6645B8DE-FEFE-4D1D-B2D2-CEFBDDBEB859}"/>
+              </a:ext>
+            </a:extLst>
+          </p:cNvPr>
+          <p:cNvSpPr>
+            <a:spLocks noGrp="1"/>
+          </p:cNvSpPr>
+          <p:nvPr>
+            <p:ph idx="1"/>
+          </p:nvPr>
+        </p:nvSpPr>
+        <p:spPr/>
+        <p:txBody>
+          <a:bodyPr/>
+          <a:lstStyle/>
+          <a:p>
+            <a:r>
+              <a:rPr lang="en-IN" dirty="0"/>
+              <a:t>If some rental vendor guy, he been approaching your company about to give the rental server, the server we are going to use Type 1 virtualization in 5 lakhs for 2 years means will u accept the deal or not?</a:t>
+            </a:r>
+          </a:p>
+          <a:p>
+            <a:r>
+              <a:rPr lang="en-IN" dirty="0"/>
+              <a:t>If I accept the offer will the server is in my place or your place?</a:t>
+            </a:r>
+          </a:p>
+          <a:p>
+            <a:r>
+              <a:rPr lang="en-IN" dirty="0"/>
+              <a:t>In in the case of server is from vendor premises means will u accept it, because your company deals with banking projects?</a:t>
+            </a:r>
+          </a:p>
+        </p:txBody>
+      </p:sp>
+    </p:spTree>
+    <p:extLst>
+      <p:ext uri="{BB962C8B-B14F-4D97-AF65-F5344CB8AC3E}">
+        <p14:creationId xmlns:p14="http://schemas.microsoft.com/office/powerpoint/2010/main" val="1109775022"/>
+      </p:ext>
+    </p:extLst>
+  </p:cSld>
+  <p:clrMapOvr>
+    <a:masterClrMapping/>
+  </p:clrMapOvr>
+</p:sld>
+</file>
+
+<file path=ppt/slides/slide16.xml><?xml version="1.0" encoding="utf-8"?>
+<p:sld xmlns:a="http://schemas.openxmlformats.org/drawingml/2006/main" xmlns:r="http://schemas.openxmlformats.org/officeDocument/2006/relationships" xmlns:p="http://schemas.openxmlformats.org/presentationml/2006/main">
+  <p:cSld>
+    <p:spTree>
+      <p:nvGrpSpPr>
+        <p:cNvPr id="1" name=""/>
+        <p:cNvGrpSpPr/>
+        <p:nvPr/>
+      </p:nvGrpSpPr>
+      <p:grpSpPr>
+        <a:xfrm>
+          <a:off x="0" y="0"/>
+          <a:ext cx="0" cy="0"/>
+          <a:chOff x="0" y="0"/>
+          <a:chExt cx="0" cy="0"/>
+        </a:xfrm>
+      </p:grpSpPr>
+      <p:sp>
+        <p:nvSpPr>
+          <p:cNvPr id="2" name="Title 1">
+            <a:extLst>
+              <a:ext uri="{FF2B5EF4-FFF2-40B4-BE49-F238E27FC236}">
+                <a16:creationId xmlns:a16="http://schemas.microsoft.com/office/drawing/2014/main" id="{B127D4C1-D561-4946-91CB-C304F5713989}"/>
+              </a:ext>
+            </a:extLst>
+          </p:cNvPr>
+          <p:cNvSpPr>
+            <a:spLocks noGrp="1"/>
+          </p:cNvSpPr>
+          <p:nvPr>
+            <p:ph type="title"/>
+          </p:nvPr>
+        </p:nvSpPr>
+        <p:spPr/>
+        <p:txBody>
+          <a:bodyPr/>
+          <a:lstStyle/>
+          <a:p>
+            <a:endParaRPr lang="en-IN"/>
+          </a:p>
+        </p:txBody>
+      </p:sp>
+      <p:sp>
+        <p:nvSpPr>
+          <p:cNvPr id="3" name="Content Placeholder 2">
+            <a:extLst>
+              <a:ext uri="{FF2B5EF4-FFF2-40B4-BE49-F238E27FC236}">
+                <a16:creationId xmlns:a16="http://schemas.microsoft.com/office/drawing/2014/main" id="{8E430ADC-2DB2-484C-8AE7-41E4B813068C}"/>
+              </a:ext>
+            </a:extLst>
+          </p:cNvPr>
+          <p:cNvSpPr>
+            <a:spLocks noGrp="1"/>
+          </p:cNvSpPr>
+          <p:nvPr>
+            <p:ph idx="1"/>
+          </p:nvPr>
+        </p:nvSpPr>
+        <p:spPr/>
+        <p:txBody>
+          <a:bodyPr/>
+          <a:lstStyle/>
+          <a:p>
+            <a:r>
+              <a:rPr lang="en-IN" dirty="0"/>
+              <a:t>Cloud Providers are offering you the computing services over the internet</a:t>
+            </a:r>
+          </a:p>
+          <a:p>
+            <a:r>
+              <a:rPr lang="en-IN" dirty="0"/>
+              <a:t>Computing Services</a:t>
+            </a:r>
+          </a:p>
+          <a:p>
+            <a:pPr lvl="1"/>
+            <a:r>
+              <a:rPr lang="en-IN" dirty="0"/>
+              <a:t>IAAS – Infrastructure as a Service</a:t>
+            </a:r>
+          </a:p>
+          <a:p>
+            <a:pPr lvl="1"/>
+            <a:r>
+              <a:rPr lang="en-IN" dirty="0"/>
+              <a:t>PAAS – Platform as a Service</a:t>
+            </a:r>
+          </a:p>
+          <a:p>
+            <a:pPr lvl="1"/>
+            <a:r>
+              <a:rPr lang="en-IN" dirty="0"/>
+              <a:t>SAAS – Software as a service</a:t>
+            </a:r>
+          </a:p>
+          <a:p>
+            <a:endParaRPr lang="en-IN" dirty="0"/>
+          </a:p>
+        </p:txBody>
+      </p:sp>
+    </p:spTree>
+    <p:extLst>
+      <p:ext uri="{BB962C8B-B14F-4D97-AF65-F5344CB8AC3E}">
+        <p14:creationId xmlns:p14="http://schemas.microsoft.com/office/powerpoint/2010/main" val="2490520796"/>
+      </p:ext>
+    </p:extLst>
+  </p:cSld>
+  <p:clrMapOvr>
+    <a:masterClrMapping/>
+  </p:clrMapOvr>
+</p:sld>
+</file>
+
+<file path=ppt/slides/slide17.xml><?xml version="1.0" encoding="utf-8"?>
+<p:sld xmlns:a="http://schemas.openxmlformats.org/drawingml/2006/main" xmlns:r="http://schemas.openxmlformats.org/officeDocument/2006/relationships" xmlns:p="http://schemas.openxmlformats.org/presentationml/2006/main">
+  <p:cSld>
+    <p:spTree>
+      <p:nvGrpSpPr>
+        <p:cNvPr id="1" name=""/>
+        <p:cNvGrpSpPr/>
+        <p:nvPr/>
+      </p:nvGrpSpPr>
+      <p:grpSpPr>
+        <a:xfrm>
+          <a:off x="0" y="0"/>
+          <a:ext cx="0" cy="0"/>
+          <a:chOff x="0" y="0"/>
+          <a:chExt cx="0" cy="0"/>
+        </a:xfrm>
+      </p:grpSpPr>
+      <p:sp>
+        <p:nvSpPr>
+          <p:cNvPr id="2" name="Title 1">
+            <a:extLst>
+              <a:ext uri="{FF2B5EF4-FFF2-40B4-BE49-F238E27FC236}">
+                <a16:creationId xmlns:a16="http://schemas.microsoft.com/office/drawing/2014/main" id="{487A364D-F2D0-4A91-AE14-5A68FF5E6032}"/>
+              </a:ext>
+            </a:extLst>
+          </p:cNvPr>
+          <p:cNvSpPr>
+            <a:spLocks noGrp="1"/>
+          </p:cNvSpPr>
+          <p:nvPr>
+            <p:ph type="title"/>
+          </p:nvPr>
+        </p:nvSpPr>
+        <p:spPr/>
+        <p:txBody>
+          <a:bodyPr/>
+          <a:lstStyle/>
+          <a:p>
+            <a:endParaRPr lang="en-IN"/>
+          </a:p>
+        </p:txBody>
+      </p:sp>
+      <p:sp>
+        <p:nvSpPr>
+          <p:cNvPr id="3" name="Content Placeholder 2">
+            <a:extLst>
+              <a:ext uri="{FF2B5EF4-FFF2-40B4-BE49-F238E27FC236}">
+                <a16:creationId xmlns:a16="http://schemas.microsoft.com/office/drawing/2014/main" id="{682EC627-E838-47F5-A492-FB1230D78C00}"/>
+              </a:ext>
+            </a:extLst>
+          </p:cNvPr>
+          <p:cNvSpPr>
+            <a:spLocks noGrp="1"/>
+          </p:cNvSpPr>
+          <p:nvPr>
+            <p:ph idx="1"/>
+          </p:nvPr>
+        </p:nvSpPr>
+        <p:spPr/>
+        <p:txBody>
+          <a:bodyPr/>
+          <a:lstStyle/>
+          <a:p>
+            <a:r>
+              <a:rPr lang="en-IN" dirty="0"/>
+              <a:t>Deploy high configuration system and install all those application they required so far in the single system</a:t>
+            </a:r>
+          </a:p>
+          <a:p>
+            <a:r>
+              <a:rPr lang="en-IN" dirty="0"/>
+              <a:t>Deploy standalone system for each and every application for their requirement with satisfied resource and deploy the architecture</a:t>
+            </a:r>
+          </a:p>
+          <a:p>
+            <a:r>
+              <a:rPr lang="en-IN" dirty="0"/>
+              <a:t>Because of huge threats will be there on application and OS wise, instead of risking all those in single server, we can take risk with stand alone</a:t>
+            </a:r>
+          </a:p>
+          <a:p>
+            <a:r>
+              <a:rPr lang="en-IN" dirty="0"/>
+              <a:t>Redundancy will be good always</a:t>
+            </a:r>
+          </a:p>
+        </p:txBody>
+      </p:sp>
+    </p:spTree>
+    <p:extLst>
+      <p:ext uri="{BB962C8B-B14F-4D97-AF65-F5344CB8AC3E}">
+        <p14:creationId xmlns:p14="http://schemas.microsoft.com/office/powerpoint/2010/main" val="2905116769"/>
+      </p:ext>
+    </p:extLst>
+  </p:cSld>
+  <p:clrMapOvr>
+    <a:masterClrMapping/>
+  </p:clrMapOvr>
+</p:sld>
+</file>
+
+<file path=ppt/slides/slide18.xml><?xml version="1.0" encoding="utf-8"?>
+<p:sld xmlns:a="http://schemas.openxmlformats.org/drawingml/2006/main" xmlns:r="http://schemas.openxmlformats.org/officeDocument/2006/relationships" xmlns:p="http://schemas.openxmlformats.org/presentationml/2006/main">
+  <p:cSld>
+    <p:spTree>
+      <p:nvGrpSpPr>
+        <p:cNvPr id="1" name=""/>
+        <p:cNvGrpSpPr/>
+        <p:nvPr/>
+      </p:nvGrpSpPr>
+      <p:grpSpPr>
+        <a:xfrm>
+          <a:off x="0" y="0"/>
+          <a:ext cx="0" cy="0"/>
+          <a:chOff x="0" y="0"/>
+          <a:chExt cx="0" cy="0"/>
+        </a:xfrm>
+      </p:grpSpPr>
+      <p:sp>
+        <p:nvSpPr>
+          <p:cNvPr id="2" name="Title 1">
+            <a:extLst>
+              <a:ext uri="{FF2B5EF4-FFF2-40B4-BE49-F238E27FC236}">
+                <a16:creationId xmlns:a16="http://schemas.microsoft.com/office/drawing/2014/main" id="{28DDFC6C-3395-4253-BDC5-BA569AE1F651}"/>
+              </a:ext>
+            </a:extLst>
+          </p:cNvPr>
+          <p:cNvSpPr>
+            <a:spLocks noGrp="1"/>
+          </p:cNvSpPr>
+          <p:nvPr>
+            <p:ph type="title"/>
+          </p:nvPr>
+        </p:nvSpPr>
+        <p:spPr/>
+        <p:txBody>
+          <a:bodyPr/>
+          <a:lstStyle/>
+          <a:p>
+            <a:r>
+              <a:rPr lang="en-IN" dirty="0"/>
+              <a:t>IAAS</a:t>
+            </a:r>
+          </a:p>
+        </p:txBody>
+      </p:sp>
+      <p:sp>
+        <p:nvSpPr>
+          <p:cNvPr id="3" name="Content Placeholder 2">
+            <a:extLst>
+              <a:ext uri="{FF2B5EF4-FFF2-40B4-BE49-F238E27FC236}">
+                <a16:creationId xmlns:a16="http://schemas.microsoft.com/office/drawing/2014/main" id="{D8AE3CBE-1006-45F3-BCD1-03D8F0CC5784}"/>
+              </a:ext>
+            </a:extLst>
+          </p:cNvPr>
+          <p:cNvSpPr>
+            <a:spLocks noGrp="1"/>
+          </p:cNvSpPr>
+          <p:nvPr>
+            <p:ph idx="1"/>
+          </p:nvPr>
+        </p:nvSpPr>
+        <p:spPr/>
+        <p:txBody>
+          <a:bodyPr/>
+          <a:lstStyle/>
+          <a:p>
+            <a:r>
+              <a:rPr lang="en-IN" dirty="0"/>
+              <a:t>Infrastructure as a Service -&gt; Cloud Providing Company is responsible for underlying hardware and Networking</a:t>
+            </a:r>
+          </a:p>
+          <a:p>
+            <a:r>
+              <a:rPr lang="en-IN" dirty="0"/>
+              <a:t>If you for IAAS as an Option we can use the same system for multiple application deployment and can save cost </a:t>
+            </a:r>
+          </a:p>
+        </p:txBody>
+      </p:sp>
+    </p:spTree>
+    <p:extLst>
+      <p:ext uri="{BB962C8B-B14F-4D97-AF65-F5344CB8AC3E}">
+        <p14:creationId xmlns:p14="http://schemas.microsoft.com/office/powerpoint/2010/main" val="2246659993"/>
+      </p:ext>
+    </p:extLst>
+  </p:cSld>
+  <p:clrMapOvr>
+    <a:masterClrMapping/>
+  </p:clrMapOvr>
+</p:sld>
+</file>
+
+<file path=ppt/slides/slide19.xml><?xml version="1.0" encoding="utf-8"?>
+<p:sld xmlns:a="http://schemas.openxmlformats.org/drawingml/2006/main" xmlns:r="http://schemas.openxmlformats.org/officeDocument/2006/relationships" xmlns:p="http://schemas.openxmlformats.org/presentationml/2006/main">
+  <p:cSld>
+    <p:spTree>
+      <p:nvGrpSpPr>
+        <p:cNvPr id="1" name=""/>
+        <p:cNvGrpSpPr/>
+        <p:nvPr/>
+      </p:nvGrpSpPr>
+      <p:grpSpPr>
+        <a:xfrm>
+          <a:off x="0" y="0"/>
+          <a:ext cx="0" cy="0"/>
+          <a:chOff x="0" y="0"/>
+          <a:chExt cx="0" cy="0"/>
+        </a:xfrm>
+      </p:grpSpPr>
+      <p:sp>
+        <p:nvSpPr>
+          <p:cNvPr id="2" name="Title 1">
+            <a:extLst>
+              <a:ext uri="{FF2B5EF4-FFF2-40B4-BE49-F238E27FC236}">
+                <a16:creationId xmlns:a16="http://schemas.microsoft.com/office/drawing/2014/main" id="{86864EC0-0965-4982-AB8C-C88CCD7F4A3D}"/>
+              </a:ext>
+            </a:extLst>
+          </p:cNvPr>
+          <p:cNvSpPr>
+            <a:spLocks noGrp="1"/>
+          </p:cNvSpPr>
+          <p:nvPr>
+            <p:ph type="title"/>
+          </p:nvPr>
+        </p:nvSpPr>
+        <p:spPr/>
+        <p:txBody>
+          <a:bodyPr/>
+          <a:lstStyle/>
+          <a:p>
+            <a:r>
+              <a:rPr lang="en-IN" dirty="0"/>
+              <a:t>IAAS</a:t>
+            </a:r>
+          </a:p>
+        </p:txBody>
+      </p:sp>
+      <p:sp>
+        <p:nvSpPr>
+          <p:cNvPr id="3" name="Content Placeholder 2">
+            <a:extLst>
+              <a:ext uri="{FF2B5EF4-FFF2-40B4-BE49-F238E27FC236}">
+                <a16:creationId xmlns:a16="http://schemas.microsoft.com/office/drawing/2014/main" id="{E651C853-3ACC-47E4-AF53-C3974D8603DA}"/>
+              </a:ext>
+            </a:extLst>
+          </p:cNvPr>
+          <p:cNvSpPr>
+            <a:spLocks noGrp="1"/>
+          </p:cNvSpPr>
+          <p:nvPr>
+            <p:ph idx="1"/>
+          </p:nvPr>
+        </p:nvSpPr>
+        <p:spPr/>
+        <p:txBody>
+          <a:bodyPr/>
+          <a:lstStyle/>
+          <a:p>
+            <a:r>
+              <a:rPr lang="en-IN" dirty="0"/>
+              <a:t>We are responsible for only the underlying hardware's, if in the case of OS problems and all we wont take care</a:t>
+            </a:r>
+          </a:p>
+        </p:txBody>
+      </p:sp>
+      <p:sp>
+        <p:nvSpPr>
+          <p:cNvPr id="4" name="Flowchart: Process 3">
+            <a:extLst>
+              <a:ext uri="{FF2B5EF4-FFF2-40B4-BE49-F238E27FC236}">
+                <a16:creationId xmlns:a16="http://schemas.microsoft.com/office/drawing/2014/main" id="{59193F48-6579-4D33-8168-726F94C85340}"/>
+              </a:ext>
+            </a:extLst>
+          </p:cNvPr>
+          <p:cNvSpPr/>
+          <p:nvPr/>
+        </p:nvSpPr>
+        <p:spPr>
+          <a:xfrm>
+            <a:off x="3084945" y="4987636"/>
+            <a:ext cx="1256146" cy="1260763"/>
+          </a:xfrm>
+          <a:prstGeom prst="flowChartProcess">
+            <a:avLst/>
+          </a:prstGeom>
+        </p:spPr>
+        <p:style>
+          <a:lnRef idx="2">
+            <a:schemeClr val="accent3">
+              <a:shade val="50000"/>
+            </a:schemeClr>
+          </a:lnRef>
+          <a:fillRef idx="1">
+            <a:schemeClr val="accent3"/>
+          </a:fillRef>
+          <a:effectRef idx="0">
+            <a:schemeClr val="accent3"/>
+          </a:effectRef>
+          <a:fontRef idx="minor">
+            <a:schemeClr val="lt1"/>
+          </a:fontRef>
+        </p:style>
+        <p:txBody>
+          <a:bodyPr rtlCol="0" anchor="ctr"/>
+          <a:lstStyle/>
+          <a:p>
+            <a:pPr algn="ctr"/>
+            <a:r>
+              <a:rPr lang="en-IN" dirty="0"/>
+              <a:t>CPU</a:t>
+            </a:r>
+          </a:p>
+        </p:txBody>
+      </p:sp>
+      <p:sp>
+        <p:nvSpPr>
+          <p:cNvPr id="5" name="Flowchart: Process 4">
+            <a:extLst>
+              <a:ext uri="{FF2B5EF4-FFF2-40B4-BE49-F238E27FC236}">
+                <a16:creationId xmlns:a16="http://schemas.microsoft.com/office/drawing/2014/main" id="{96C11EBD-E302-4857-9CE9-8AF39AEF1B18}"/>
+              </a:ext>
+            </a:extLst>
+          </p:cNvPr>
+          <p:cNvSpPr/>
+          <p:nvPr/>
+        </p:nvSpPr>
+        <p:spPr>
+          <a:xfrm>
+            <a:off x="4341091" y="4987635"/>
+            <a:ext cx="1256146" cy="1260763"/>
+          </a:xfrm>
+          <a:prstGeom prst="flowChartProcess">
+            <a:avLst/>
+          </a:prstGeom>
+        </p:spPr>
+        <p:style>
+          <a:lnRef idx="2">
+            <a:schemeClr val="accent6">
+              <a:shade val="50000"/>
+            </a:schemeClr>
+          </a:lnRef>
+          <a:fillRef idx="1">
+            <a:schemeClr val="accent6"/>
+          </a:fillRef>
+          <a:effectRef idx="0">
+            <a:schemeClr val="accent6"/>
+          </a:effectRef>
+          <a:fontRef idx="minor">
+            <a:schemeClr val="lt1"/>
+          </a:fontRef>
+        </p:style>
+        <p:txBody>
+          <a:bodyPr rtlCol="0" anchor="ctr"/>
+          <a:lstStyle/>
+          <a:p>
+            <a:pPr algn="ctr"/>
+            <a:r>
+              <a:rPr lang="en-IN" dirty="0"/>
+              <a:t>RAM</a:t>
+            </a:r>
+          </a:p>
+        </p:txBody>
+      </p:sp>
+      <p:sp>
+        <p:nvSpPr>
+          <p:cNvPr id="6" name="Flowchart: Process 5">
+            <a:extLst>
+              <a:ext uri="{FF2B5EF4-FFF2-40B4-BE49-F238E27FC236}">
+                <a16:creationId xmlns:a16="http://schemas.microsoft.com/office/drawing/2014/main" id="{8B1B2D42-FD47-48D9-BCC7-5B633C154127}"/>
+              </a:ext>
+            </a:extLst>
+          </p:cNvPr>
+          <p:cNvSpPr/>
+          <p:nvPr/>
+        </p:nvSpPr>
+        <p:spPr>
+          <a:xfrm>
+            <a:off x="5576582" y="4987634"/>
+            <a:ext cx="1256146" cy="1260763"/>
+          </a:xfrm>
+          <a:prstGeom prst="flowChartProcess">
+            <a:avLst/>
+          </a:prstGeom>
+        </p:spPr>
+        <p:style>
+          <a:lnRef idx="2">
+            <a:schemeClr val="accent5">
+              <a:shade val="50000"/>
+            </a:schemeClr>
+          </a:lnRef>
+          <a:fillRef idx="1">
+            <a:schemeClr val="accent5"/>
+          </a:fillRef>
+          <a:effectRef idx="0">
+            <a:schemeClr val="accent5"/>
+          </a:effectRef>
+          <a:fontRef idx="minor">
+            <a:schemeClr val="lt1"/>
+          </a:fontRef>
+        </p:style>
+        <p:txBody>
+          <a:bodyPr rtlCol="0" anchor="ctr"/>
+          <a:lstStyle/>
+          <a:p>
+            <a:pPr algn="ctr"/>
+            <a:r>
+              <a:rPr lang="en-IN" dirty="0"/>
+              <a:t>Storage</a:t>
+            </a:r>
+          </a:p>
+        </p:txBody>
+      </p:sp>
+      <p:sp>
+        <p:nvSpPr>
+          <p:cNvPr id="7" name="Flowchart: Process 6">
+            <a:extLst>
+              <a:ext uri="{FF2B5EF4-FFF2-40B4-BE49-F238E27FC236}">
+                <a16:creationId xmlns:a16="http://schemas.microsoft.com/office/drawing/2014/main" id="{06B30C52-4EBD-4DD0-8FF5-4938B836B96D}"/>
+              </a:ext>
+            </a:extLst>
+          </p:cNvPr>
+          <p:cNvSpPr/>
+          <p:nvPr/>
+        </p:nvSpPr>
+        <p:spPr>
+          <a:xfrm>
+            <a:off x="6853383" y="4987633"/>
+            <a:ext cx="1256146" cy="1260763"/>
+          </a:xfrm>
+          <a:prstGeom prst="flowChartProcess">
+            <a:avLst/>
+          </a:prstGeom>
+        </p:spPr>
+        <p:style>
+          <a:lnRef idx="2">
+            <a:schemeClr val="accent2">
+              <a:shade val="50000"/>
+            </a:schemeClr>
+          </a:lnRef>
+          <a:fillRef idx="1">
+            <a:schemeClr val="accent2"/>
+          </a:fillRef>
+          <a:effectRef idx="0">
+            <a:schemeClr val="accent2"/>
+          </a:effectRef>
+          <a:fontRef idx="minor">
+            <a:schemeClr val="lt1"/>
+          </a:fontRef>
+        </p:style>
+        <p:txBody>
+          <a:bodyPr rtlCol="0" anchor="ctr"/>
+          <a:lstStyle/>
+          <a:p>
+            <a:pPr algn="ctr"/>
+            <a:r>
+              <a:rPr lang="en-IN" dirty="0"/>
+              <a:t>Network</a:t>
+            </a:r>
+          </a:p>
+        </p:txBody>
+      </p:sp>
+      <p:sp>
+        <p:nvSpPr>
+          <p:cNvPr id="8" name="Flowchart: Process 7">
+            <a:extLst>
+              <a:ext uri="{FF2B5EF4-FFF2-40B4-BE49-F238E27FC236}">
+                <a16:creationId xmlns:a16="http://schemas.microsoft.com/office/drawing/2014/main" id="{0F7B9117-CCD1-4E3A-A8C0-FD8C3D86BE7E}"/>
+              </a:ext>
+            </a:extLst>
+          </p:cNvPr>
+          <p:cNvSpPr/>
+          <p:nvPr/>
+        </p:nvSpPr>
+        <p:spPr>
+          <a:xfrm>
+            <a:off x="3064289" y="4276436"/>
+            <a:ext cx="5045240" cy="711199"/>
+          </a:xfrm>
+          <a:prstGeom prst="flowChartProcess">
+            <a:avLst/>
+          </a:prstGeom>
+        </p:spPr>
+        <p:style>
+          <a:lnRef idx="2">
+            <a:schemeClr val="accent3">
+              <a:shade val="50000"/>
+            </a:schemeClr>
+          </a:lnRef>
+          <a:fillRef idx="1">
+            <a:schemeClr val="accent3"/>
+          </a:fillRef>
+          <a:effectRef idx="0">
+            <a:schemeClr val="accent3"/>
+          </a:effectRef>
+          <a:fontRef idx="minor">
+            <a:schemeClr val="lt1"/>
+          </a:fontRef>
+        </p:style>
+        <p:txBody>
+          <a:bodyPr rtlCol="0" anchor="ctr"/>
+          <a:lstStyle/>
+          <a:p>
+            <a:pPr algn="ctr"/>
+            <a:r>
+              <a:rPr lang="en-IN" dirty="0"/>
+              <a:t>Templates</a:t>
+            </a:r>
+          </a:p>
+        </p:txBody>
+      </p:sp>
+    </p:spTree>
+    <p:extLst>
+      <p:ext uri="{BB962C8B-B14F-4D97-AF65-F5344CB8AC3E}">
+        <p14:creationId xmlns:p14="http://schemas.microsoft.com/office/powerpoint/2010/main" val="3287953637"/>
+      </p:ext>
+    </p:extLst>
+  </p:cSld>
+  <p:clrMapOvr>
+    <a:masterClrMapping/>
+  </p:clrMapOvr>
+</p:sld>
+</file>
+
 <file path=ppt/slides/slide2.xml><?xml version="1.0" encoding="utf-8"?>
 <p:sld xmlns:a="http://schemas.openxmlformats.org/drawingml/2006/main" xmlns:r="http://schemas.openxmlformats.org/officeDocument/2006/relationships" xmlns:p="http://schemas.openxmlformats.org/presentationml/2006/main">
   <p:cSld>
@@ -7597,6 +8347,895 @@
     <p:extLst>
       <p:ext uri="{BB962C8B-B14F-4D97-AF65-F5344CB8AC3E}">
         <p14:creationId xmlns:p14="http://schemas.microsoft.com/office/powerpoint/2010/main" val="2349226981"/>
+      </p:ext>
+    </p:extLst>
+  </p:cSld>
+  <p:clrMapOvr>
+    <a:masterClrMapping/>
+  </p:clrMapOvr>
+</p:sld>
+</file>
+
+<file path=ppt/slides/slide20.xml><?xml version="1.0" encoding="utf-8"?>
+<p:sld xmlns:a="http://schemas.openxmlformats.org/drawingml/2006/main" xmlns:r="http://schemas.openxmlformats.org/officeDocument/2006/relationships" xmlns:p="http://schemas.openxmlformats.org/presentationml/2006/main">
+  <p:cSld>
+    <p:spTree>
+      <p:nvGrpSpPr>
+        <p:cNvPr id="1" name=""/>
+        <p:cNvGrpSpPr/>
+        <p:nvPr/>
+      </p:nvGrpSpPr>
+      <p:grpSpPr>
+        <a:xfrm>
+          <a:off x="0" y="0"/>
+          <a:ext cx="0" cy="0"/>
+          <a:chOff x="0" y="0"/>
+          <a:chExt cx="0" cy="0"/>
+        </a:xfrm>
+      </p:grpSpPr>
+      <p:sp>
+        <p:nvSpPr>
+          <p:cNvPr id="2" name="Title 1">
+            <a:extLst>
+              <a:ext uri="{FF2B5EF4-FFF2-40B4-BE49-F238E27FC236}">
+                <a16:creationId xmlns:a16="http://schemas.microsoft.com/office/drawing/2014/main" id="{85E61E03-EDE1-45DA-BB48-8A1F3F7EBA48}"/>
+              </a:ext>
+            </a:extLst>
+          </p:cNvPr>
+          <p:cNvSpPr>
+            <a:spLocks noGrp="1"/>
+          </p:cNvSpPr>
+          <p:nvPr>
+            <p:ph type="title"/>
+          </p:nvPr>
+        </p:nvSpPr>
+        <p:spPr/>
+        <p:txBody>
+          <a:bodyPr/>
+          <a:lstStyle/>
+          <a:p>
+            <a:r>
+              <a:rPr lang="en-IN" dirty="0"/>
+              <a:t>PAAS</a:t>
+            </a:r>
+          </a:p>
+        </p:txBody>
+      </p:sp>
+      <p:sp>
+        <p:nvSpPr>
+          <p:cNvPr id="3" name="Content Placeholder 2">
+            <a:extLst>
+              <a:ext uri="{FF2B5EF4-FFF2-40B4-BE49-F238E27FC236}">
+                <a16:creationId xmlns:a16="http://schemas.microsoft.com/office/drawing/2014/main" id="{8CC94E62-CE5D-4ACF-8F26-64DDE5B02D9F}"/>
+              </a:ext>
+            </a:extLst>
+          </p:cNvPr>
+          <p:cNvSpPr>
+            <a:spLocks noGrp="1"/>
+          </p:cNvSpPr>
+          <p:nvPr>
+            <p:ph idx="1"/>
+          </p:nvPr>
+        </p:nvSpPr>
+        <p:spPr/>
+        <p:txBody>
+          <a:bodyPr/>
+          <a:lstStyle/>
+          <a:p>
+            <a:r>
+              <a:rPr lang="en-IN" dirty="0"/>
+              <a:t>Platform as a service – they will take care about underlying hardware, OS, Application Configuration, Firewall </a:t>
+            </a:r>
+          </a:p>
+        </p:txBody>
+      </p:sp>
+    </p:spTree>
+    <p:extLst>
+      <p:ext uri="{BB962C8B-B14F-4D97-AF65-F5344CB8AC3E}">
+        <p14:creationId xmlns:p14="http://schemas.microsoft.com/office/powerpoint/2010/main" val="1783974637"/>
+      </p:ext>
+    </p:extLst>
+  </p:cSld>
+  <p:clrMapOvr>
+    <a:masterClrMapping/>
+  </p:clrMapOvr>
+</p:sld>
+</file>
+
+<file path=ppt/slides/slide21.xml><?xml version="1.0" encoding="utf-8"?>
+<p:sld xmlns:a="http://schemas.openxmlformats.org/drawingml/2006/main" xmlns:r="http://schemas.openxmlformats.org/officeDocument/2006/relationships" xmlns:p="http://schemas.openxmlformats.org/presentationml/2006/main">
+  <p:cSld>
+    <p:spTree>
+      <p:nvGrpSpPr>
+        <p:cNvPr id="1" name=""/>
+        <p:cNvGrpSpPr/>
+        <p:nvPr/>
+      </p:nvGrpSpPr>
+      <p:grpSpPr>
+        <a:xfrm>
+          <a:off x="0" y="0"/>
+          <a:ext cx="0" cy="0"/>
+          <a:chOff x="0" y="0"/>
+          <a:chExt cx="0" cy="0"/>
+        </a:xfrm>
+      </p:grpSpPr>
+      <p:sp>
+        <p:nvSpPr>
+          <p:cNvPr id="2" name="Title 1">
+            <a:extLst>
+              <a:ext uri="{FF2B5EF4-FFF2-40B4-BE49-F238E27FC236}">
+                <a16:creationId xmlns:a16="http://schemas.microsoft.com/office/drawing/2014/main" id="{2C0672F6-C181-4CFF-9121-EBB146297908}"/>
+              </a:ext>
+            </a:extLst>
+          </p:cNvPr>
+          <p:cNvSpPr>
+            <a:spLocks noGrp="1"/>
+          </p:cNvSpPr>
+          <p:nvPr>
+            <p:ph type="title"/>
+          </p:nvPr>
+        </p:nvSpPr>
+        <p:spPr/>
+        <p:txBody>
+          <a:bodyPr/>
+          <a:lstStyle/>
+          <a:p>
+            <a:endParaRPr lang="en-IN"/>
+          </a:p>
+        </p:txBody>
+      </p:sp>
+      <p:sp>
+        <p:nvSpPr>
+          <p:cNvPr id="3" name="Content Placeholder 2">
+            <a:extLst>
+              <a:ext uri="{FF2B5EF4-FFF2-40B4-BE49-F238E27FC236}">
+                <a16:creationId xmlns:a16="http://schemas.microsoft.com/office/drawing/2014/main" id="{48E7A2EF-855E-47C1-AE56-C641E130DE6C}"/>
+              </a:ext>
+            </a:extLst>
+          </p:cNvPr>
+          <p:cNvSpPr>
+            <a:spLocks noGrp="1"/>
+          </p:cNvSpPr>
+          <p:nvPr>
+            <p:ph idx="1"/>
+          </p:nvPr>
+        </p:nvSpPr>
+        <p:spPr/>
+        <p:txBody>
+          <a:bodyPr/>
+          <a:lstStyle/>
+          <a:p>
+            <a:endParaRPr lang="en-IN" dirty="0"/>
+          </a:p>
+        </p:txBody>
+      </p:sp>
+      <p:sp>
+        <p:nvSpPr>
+          <p:cNvPr id="4" name="Flowchart: Process 3">
+            <a:extLst>
+              <a:ext uri="{FF2B5EF4-FFF2-40B4-BE49-F238E27FC236}">
+                <a16:creationId xmlns:a16="http://schemas.microsoft.com/office/drawing/2014/main" id="{43A5D07E-5F62-48CE-8A97-B116BBB55404}"/>
+              </a:ext>
+            </a:extLst>
+          </p:cNvPr>
+          <p:cNvSpPr/>
+          <p:nvPr/>
+        </p:nvSpPr>
+        <p:spPr>
+          <a:xfrm>
+            <a:off x="3084945" y="4987636"/>
+            <a:ext cx="1256146" cy="1260763"/>
+          </a:xfrm>
+          <a:prstGeom prst="flowChartProcess">
+            <a:avLst/>
+          </a:prstGeom>
+        </p:spPr>
+        <p:style>
+          <a:lnRef idx="2">
+            <a:schemeClr val="accent3">
+              <a:shade val="50000"/>
+            </a:schemeClr>
+          </a:lnRef>
+          <a:fillRef idx="1">
+            <a:schemeClr val="accent3"/>
+          </a:fillRef>
+          <a:effectRef idx="0">
+            <a:schemeClr val="accent3"/>
+          </a:effectRef>
+          <a:fontRef idx="minor">
+            <a:schemeClr val="lt1"/>
+          </a:fontRef>
+        </p:style>
+        <p:txBody>
+          <a:bodyPr rtlCol="0" anchor="ctr"/>
+          <a:lstStyle/>
+          <a:p>
+            <a:pPr algn="ctr"/>
+            <a:r>
+              <a:rPr lang="en-IN" dirty="0"/>
+              <a:t>CPU</a:t>
+            </a:r>
+          </a:p>
+        </p:txBody>
+      </p:sp>
+      <p:sp>
+        <p:nvSpPr>
+          <p:cNvPr id="5" name="Flowchart: Process 4">
+            <a:extLst>
+              <a:ext uri="{FF2B5EF4-FFF2-40B4-BE49-F238E27FC236}">
+                <a16:creationId xmlns:a16="http://schemas.microsoft.com/office/drawing/2014/main" id="{AF1CE8D1-28C1-4A71-988A-5B206C807CBA}"/>
+              </a:ext>
+            </a:extLst>
+          </p:cNvPr>
+          <p:cNvSpPr/>
+          <p:nvPr/>
+        </p:nvSpPr>
+        <p:spPr>
+          <a:xfrm>
+            <a:off x="4341091" y="4987635"/>
+            <a:ext cx="1256146" cy="1260763"/>
+          </a:xfrm>
+          <a:prstGeom prst="flowChartProcess">
+            <a:avLst/>
+          </a:prstGeom>
+        </p:spPr>
+        <p:style>
+          <a:lnRef idx="2">
+            <a:schemeClr val="accent6">
+              <a:shade val="50000"/>
+            </a:schemeClr>
+          </a:lnRef>
+          <a:fillRef idx="1">
+            <a:schemeClr val="accent6"/>
+          </a:fillRef>
+          <a:effectRef idx="0">
+            <a:schemeClr val="accent6"/>
+          </a:effectRef>
+          <a:fontRef idx="minor">
+            <a:schemeClr val="lt1"/>
+          </a:fontRef>
+        </p:style>
+        <p:txBody>
+          <a:bodyPr rtlCol="0" anchor="ctr"/>
+          <a:lstStyle/>
+          <a:p>
+            <a:pPr algn="ctr"/>
+            <a:r>
+              <a:rPr lang="en-IN" dirty="0"/>
+              <a:t>RAM</a:t>
+            </a:r>
+          </a:p>
+        </p:txBody>
+      </p:sp>
+      <p:sp>
+        <p:nvSpPr>
+          <p:cNvPr id="6" name="Flowchart: Process 5">
+            <a:extLst>
+              <a:ext uri="{FF2B5EF4-FFF2-40B4-BE49-F238E27FC236}">
+                <a16:creationId xmlns:a16="http://schemas.microsoft.com/office/drawing/2014/main" id="{6EDF1C3E-6679-44E5-90DC-95994386014B}"/>
+              </a:ext>
+            </a:extLst>
+          </p:cNvPr>
+          <p:cNvSpPr/>
+          <p:nvPr/>
+        </p:nvSpPr>
+        <p:spPr>
+          <a:xfrm>
+            <a:off x="5576582" y="4987634"/>
+            <a:ext cx="1256146" cy="1260763"/>
+          </a:xfrm>
+          <a:prstGeom prst="flowChartProcess">
+            <a:avLst/>
+          </a:prstGeom>
+        </p:spPr>
+        <p:style>
+          <a:lnRef idx="2">
+            <a:schemeClr val="accent5">
+              <a:shade val="50000"/>
+            </a:schemeClr>
+          </a:lnRef>
+          <a:fillRef idx="1">
+            <a:schemeClr val="accent5"/>
+          </a:fillRef>
+          <a:effectRef idx="0">
+            <a:schemeClr val="accent5"/>
+          </a:effectRef>
+          <a:fontRef idx="minor">
+            <a:schemeClr val="lt1"/>
+          </a:fontRef>
+        </p:style>
+        <p:txBody>
+          <a:bodyPr rtlCol="0" anchor="ctr"/>
+          <a:lstStyle/>
+          <a:p>
+            <a:pPr algn="ctr"/>
+            <a:r>
+              <a:rPr lang="en-IN" dirty="0"/>
+              <a:t>Storage</a:t>
+            </a:r>
+          </a:p>
+        </p:txBody>
+      </p:sp>
+      <p:sp>
+        <p:nvSpPr>
+          <p:cNvPr id="7" name="Flowchart: Process 6">
+            <a:extLst>
+              <a:ext uri="{FF2B5EF4-FFF2-40B4-BE49-F238E27FC236}">
+                <a16:creationId xmlns:a16="http://schemas.microsoft.com/office/drawing/2014/main" id="{B8E3FF66-59C4-4B45-AC5B-A7E132F88E3B}"/>
+              </a:ext>
+            </a:extLst>
+          </p:cNvPr>
+          <p:cNvSpPr/>
+          <p:nvPr/>
+        </p:nvSpPr>
+        <p:spPr>
+          <a:xfrm>
+            <a:off x="6853383" y="4987633"/>
+            <a:ext cx="1256146" cy="1260763"/>
+          </a:xfrm>
+          <a:prstGeom prst="flowChartProcess">
+            <a:avLst/>
+          </a:prstGeom>
+        </p:spPr>
+        <p:style>
+          <a:lnRef idx="2">
+            <a:schemeClr val="accent2">
+              <a:shade val="50000"/>
+            </a:schemeClr>
+          </a:lnRef>
+          <a:fillRef idx="1">
+            <a:schemeClr val="accent2"/>
+          </a:fillRef>
+          <a:effectRef idx="0">
+            <a:schemeClr val="accent2"/>
+          </a:effectRef>
+          <a:fontRef idx="minor">
+            <a:schemeClr val="lt1"/>
+          </a:fontRef>
+        </p:style>
+        <p:txBody>
+          <a:bodyPr rtlCol="0" anchor="ctr"/>
+          <a:lstStyle/>
+          <a:p>
+            <a:pPr algn="ctr"/>
+            <a:r>
+              <a:rPr lang="en-IN" dirty="0"/>
+              <a:t>Network</a:t>
+            </a:r>
+          </a:p>
+        </p:txBody>
+      </p:sp>
+      <p:sp>
+        <p:nvSpPr>
+          <p:cNvPr id="8" name="Flowchart: Process 7">
+            <a:extLst>
+              <a:ext uri="{FF2B5EF4-FFF2-40B4-BE49-F238E27FC236}">
+                <a16:creationId xmlns:a16="http://schemas.microsoft.com/office/drawing/2014/main" id="{E5DA261E-BC28-4D1D-BAA3-BCCD1E0AA6C4}"/>
+              </a:ext>
+            </a:extLst>
+          </p:cNvPr>
+          <p:cNvSpPr/>
+          <p:nvPr/>
+        </p:nvSpPr>
+        <p:spPr>
+          <a:xfrm>
+            <a:off x="3064289" y="4276436"/>
+            <a:ext cx="5045240" cy="711199"/>
+          </a:xfrm>
+          <a:prstGeom prst="flowChartProcess">
+            <a:avLst/>
+          </a:prstGeom>
+        </p:spPr>
+        <p:style>
+          <a:lnRef idx="2">
+            <a:schemeClr val="accent3">
+              <a:shade val="50000"/>
+            </a:schemeClr>
+          </a:lnRef>
+          <a:fillRef idx="1">
+            <a:schemeClr val="accent3"/>
+          </a:fillRef>
+          <a:effectRef idx="0">
+            <a:schemeClr val="accent3"/>
+          </a:effectRef>
+          <a:fontRef idx="minor">
+            <a:schemeClr val="lt1"/>
+          </a:fontRef>
+        </p:style>
+        <p:txBody>
+          <a:bodyPr rtlCol="0" anchor="ctr"/>
+          <a:lstStyle/>
+          <a:p>
+            <a:pPr algn="ctr"/>
+            <a:r>
+              <a:rPr lang="en-IN" dirty="0"/>
+              <a:t>OS</a:t>
+            </a:r>
+          </a:p>
+        </p:txBody>
+      </p:sp>
+      <p:sp>
+        <p:nvSpPr>
+          <p:cNvPr id="14" name="Flowchart: Process 13">
+            <a:extLst>
+              <a:ext uri="{FF2B5EF4-FFF2-40B4-BE49-F238E27FC236}">
+                <a16:creationId xmlns:a16="http://schemas.microsoft.com/office/drawing/2014/main" id="{69834389-2F09-4CD6-88C0-9C9FFAAAC527}"/>
+              </a:ext>
+            </a:extLst>
+          </p:cNvPr>
+          <p:cNvSpPr/>
+          <p:nvPr/>
+        </p:nvSpPr>
+        <p:spPr>
+          <a:xfrm>
+            <a:off x="3053962" y="3565234"/>
+            <a:ext cx="5045240" cy="711199"/>
+          </a:xfrm>
+          <a:prstGeom prst="flowChartProcess">
+            <a:avLst/>
+          </a:prstGeom>
+        </p:spPr>
+        <p:style>
+          <a:lnRef idx="2">
+            <a:schemeClr val="accent3">
+              <a:shade val="50000"/>
+            </a:schemeClr>
+          </a:lnRef>
+          <a:fillRef idx="1">
+            <a:schemeClr val="accent3"/>
+          </a:fillRef>
+          <a:effectRef idx="0">
+            <a:schemeClr val="accent3"/>
+          </a:effectRef>
+          <a:fontRef idx="minor">
+            <a:schemeClr val="lt1"/>
+          </a:fontRef>
+        </p:style>
+        <p:txBody>
+          <a:bodyPr rtlCol="0" anchor="ctr"/>
+          <a:lstStyle/>
+          <a:p>
+            <a:pPr algn="ctr"/>
+            <a:r>
+              <a:rPr lang="en-IN" dirty="0"/>
+              <a:t>Application</a:t>
+            </a:r>
+          </a:p>
+        </p:txBody>
+      </p:sp>
+      <p:sp>
+        <p:nvSpPr>
+          <p:cNvPr id="15" name="Flowchart: Process 14">
+            <a:extLst>
+              <a:ext uri="{FF2B5EF4-FFF2-40B4-BE49-F238E27FC236}">
+                <a16:creationId xmlns:a16="http://schemas.microsoft.com/office/drawing/2014/main" id="{1508CCD0-676D-429F-B8B7-72DE4047209E}"/>
+              </a:ext>
+            </a:extLst>
+          </p:cNvPr>
+          <p:cNvSpPr/>
+          <p:nvPr/>
+        </p:nvSpPr>
+        <p:spPr>
+          <a:xfrm>
+            <a:off x="3074617" y="2895592"/>
+            <a:ext cx="5045240" cy="711199"/>
+          </a:xfrm>
+          <a:prstGeom prst="flowChartProcess">
+            <a:avLst/>
+          </a:prstGeom>
+        </p:spPr>
+        <p:style>
+          <a:lnRef idx="2">
+            <a:schemeClr val="accent3">
+              <a:shade val="50000"/>
+            </a:schemeClr>
+          </a:lnRef>
+          <a:fillRef idx="1">
+            <a:schemeClr val="accent3"/>
+          </a:fillRef>
+          <a:effectRef idx="0">
+            <a:schemeClr val="accent3"/>
+          </a:effectRef>
+          <a:fontRef idx="minor">
+            <a:schemeClr val="lt1"/>
+          </a:fontRef>
+        </p:style>
+        <p:txBody>
+          <a:bodyPr rtlCol="0" anchor="ctr"/>
+          <a:lstStyle/>
+          <a:p>
+            <a:pPr algn="ctr"/>
+            <a:r>
+              <a:rPr lang="en-IN" dirty="0"/>
+              <a:t>Firewall</a:t>
+            </a:r>
+          </a:p>
+        </p:txBody>
+      </p:sp>
+    </p:spTree>
+    <p:extLst>
+      <p:ext uri="{BB962C8B-B14F-4D97-AF65-F5344CB8AC3E}">
+        <p14:creationId xmlns:p14="http://schemas.microsoft.com/office/powerpoint/2010/main" val="3150261341"/>
+      </p:ext>
+    </p:extLst>
+  </p:cSld>
+  <p:clrMapOvr>
+    <a:masterClrMapping/>
+  </p:clrMapOvr>
+</p:sld>
+</file>
+
+<file path=ppt/slides/slide22.xml><?xml version="1.0" encoding="utf-8"?>
+<p:sld xmlns:a="http://schemas.openxmlformats.org/drawingml/2006/main" xmlns:r="http://schemas.openxmlformats.org/officeDocument/2006/relationships" xmlns:p="http://schemas.openxmlformats.org/presentationml/2006/main">
+  <p:cSld>
+    <p:spTree>
+      <p:nvGrpSpPr>
+        <p:cNvPr id="1" name=""/>
+        <p:cNvGrpSpPr/>
+        <p:nvPr/>
+      </p:nvGrpSpPr>
+      <p:grpSpPr>
+        <a:xfrm>
+          <a:off x="0" y="0"/>
+          <a:ext cx="0" cy="0"/>
+          <a:chOff x="0" y="0"/>
+          <a:chExt cx="0" cy="0"/>
+        </a:xfrm>
+      </p:grpSpPr>
+      <p:sp>
+        <p:nvSpPr>
+          <p:cNvPr id="2" name="Title 1">
+            <a:extLst>
+              <a:ext uri="{FF2B5EF4-FFF2-40B4-BE49-F238E27FC236}">
+                <a16:creationId xmlns:a16="http://schemas.microsoft.com/office/drawing/2014/main" id="{D3B6DEDA-841A-4209-AA93-C296046FDF5F}"/>
+              </a:ext>
+            </a:extLst>
+          </p:cNvPr>
+          <p:cNvSpPr>
+            <a:spLocks noGrp="1"/>
+          </p:cNvSpPr>
+          <p:nvPr>
+            <p:ph type="title"/>
+          </p:nvPr>
+        </p:nvSpPr>
+        <p:spPr/>
+        <p:txBody>
+          <a:bodyPr/>
+          <a:lstStyle/>
+          <a:p>
+            <a:r>
+              <a:rPr lang="en-IN" dirty="0"/>
+              <a:t>SAAS</a:t>
+            </a:r>
+          </a:p>
+        </p:txBody>
+      </p:sp>
+      <p:sp>
+        <p:nvSpPr>
+          <p:cNvPr id="3" name="Content Placeholder 2">
+            <a:extLst>
+              <a:ext uri="{FF2B5EF4-FFF2-40B4-BE49-F238E27FC236}">
+                <a16:creationId xmlns:a16="http://schemas.microsoft.com/office/drawing/2014/main" id="{F6340F29-10C2-41F6-B3DC-D25662EA17AA}"/>
+              </a:ext>
+            </a:extLst>
+          </p:cNvPr>
+          <p:cNvSpPr>
+            <a:spLocks noGrp="1"/>
+          </p:cNvSpPr>
+          <p:nvPr>
+            <p:ph idx="1"/>
+          </p:nvPr>
+        </p:nvSpPr>
+        <p:spPr/>
+        <p:txBody>
+          <a:bodyPr/>
+          <a:lstStyle/>
+          <a:p>
+            <a:r>
+              <a:rPr lang="en-IN" dirty="0"/>
+              <a:t>They will give you Application API as an service</a:t>
+            </a:r>
+          </a:p>
+        </p:txBody>
+      </p:sp>
+      <p:sp>
+        <p:nvSpPr>
+          <p:cNvPr id="4" name="Flowchart: Process 3">
+            <a:extLst>
+              <a:ext uri="{FF2B5EF4-FFF2-40B4-BE49-F238E27FC236}">
+                <a16:creationId xmlns:a16="http://schemas.microsoft.com/office/drawing/2014/main" id="{7CAEE726-8CA1-4728-BDA7-D51303E03731}"/>
+              </a:ext>
+            </a:extLst>
+          </p:cNvPr>
+          <p:cNvSpPr/>
+          <p:nvPr/>
+        </p:nvSpPr>
+        <p:spPr>
+          <a:xfrm>
+            <a:off x="3084945" y="4987636"/>
+            <a:ext cx="1256146" cy="1260763"/>
+          </a:xfrm>
+          <a:prstGeom prst="flowChartProcess">
+            <a:avLst/>
+          </a:prstGeom>
+        </p:spPr>
+        <p:style>
+          <a:lnRef idx="2">
+            <a:schemeClr val="accent3">
+              <a:shade val="50000"/>
+            </a:schemeClr>
+          </a:lnRef>
+          <a:fillRef idx="1">
+            <a:schemeClr val="accent3"/>
+          </a:fillRef>
+          <a:effectRef idx="0">
+            <a:schemeClr val="accent3"/>
+          </a:effectRef>
+          <a:fontRef idx="minor">
+            <a:schemeClr val="lt1"/>
+          </a:fontRef>
+        </p:style>
+        <p:txBody>
+          <a:bodyPr rtlCol="0" anchor="ctr"/>
+          <a:lstStyle/>
+          <a:p>
+            <a:pPr algn="ctr"/>
+            <a:r>
+              <a:rPr lang="en-IN" dirty="0"/>
+              <a:t>CPU</a:t>
+            </a:r>
+          </a:p>
+        </p:txBody>
+      </p:sp>
+      <p:sp>
+        <p:nvSpPr>
+          <p:cNvPr id="5" name="Flowchart: Process 4">
+            <a:extLst>
+              <a:ext uri="{FF2B5EF4-FFF2-40B4-BE49-F238E27FC236}">
+                <a16:creationId xmlns:a16="http://schemas.microsoft.com/office/drawing/2014/main" id="{E2D8BE62-E96E-4744-BFED-4BE626A8BC08}"/>
+              </a:ext>
+            </a:extLst>
+          </p:cNvPr>
+          <p:cNvSpPr/>
+          <p:nvPr/>
+        </p:nvSpPr>
+        <p:spPr>
+          <a:xfrm>
+            <a:off x="4341091" y="4987635"/>
+            <a:ext cx="1256146" cy="1260763"/>
+          </a:xfrm>
+          <a:prstGeom prst="flowChartProcess">
+            <a:avLst/>
+          </a:prstGeom>
+        </p:spPr>
+        <p:style>
+          <a:lnRef idx="2">
+            <a:schemeClr val="accent6">
+              <a:shade val="50000"/>
+            </a:schemeClr>
+          </a:lnRef>
+          <a:fillRef idx="1">
+            <a:schemeClr val="accent6"/>
+          </a:fillRef>
+          <a:effectRef idx="0">
+            <a:schemeClr val="accent6"/>
+          </a:effectRef>
+          <a:fontRef idx="minor">
+            <a:schemeClr val="lt1"/>
+          </a:fontRef>
+        </p:style>
+        <p:txBody>
+          <a:bodyPr rtlCol="0" anchor="ctr"/>
+          <a:lstStyle/>
+          <a:p>
+            <a:pPr algn="ctr"/>
+            <a:r>
+              <a:rPr lang="en-IN" dirty="0"/>
+              <a:t>RAM</a:t>
+            </a:r>
+          </a:p>
+        </p:txBody>
+      </p:sp>
+      <p:sp>
+        <p:nvSpPr>
+          <p:cNvPr id="6" name="Flowchart: Process 5">
+            <a:extLst>
+              <a:ext uri="{FF2B5EF4-FFF2-40B4-BE49-F238E27FC236}">
+                <a16:creationId xmlns:a16="http://schemas.microsoft.com/office/drawing/2014/main" id="{72B9B032-728E-4101-BB36-76DAF3C9C376}"/>
+              </a:ext>
+            </a:extLst>
+          </p:cNvPr>
+          <p:cNvSpPr/>
+          <p:nvPr/>
+        </p:nvSpPr>
+        <p:spPr>
+          <a:xfrm>
+            <a:off x="5576582" y="4987634"/>
+            <a:ext cx="1256146" cy="1260763"/>
+          </a:xfrm>
+          <a:prstGeom prst="flowChartProcess">
+            <a:avLst/>
+          </a:prstGeom>
+        </p:spPr>
+        <p:style>
+          <a:lnRef idx="2">
+            <a:schemeClr val="accent5">
+              <a:shade val="50000"/>
+            </a:schemeClr>
+          </a:lnRef>
+          <a:fillRef idx="1">
+            <a:schemeClr val="accent5"/>
+          </a:fillRef>
+          <a:effectRef idx="0">
+            <a:schemeClr val="accent5"/>
+          </a:effectRef>
+          <a:fontRef idx="minor">
+            <a:schemeClr val="lt1"/>
+          </a:fontRef>
+        </p:style>
+        <p:txBody>
+          <a:bodyPr rtlCol="0" anchor="ctr"/>
+          <a:lstStyle/>
+          <a:p>
+            <a:pPr algn="ctr"/>
+            <a:r>
+              <a:rPr lang="en-IN" dirty="0"/>
+              <a:t>Storage</a:t>
+            </a:r>
+          </a:p>
+        </p:txBody>
+      </p:sp>
+      <p:sp>
+        <p:nvSpPr>
+          <p:cNvPr id="7" name="Flowchart: Process 6">
+            <a:extLst>
+              <a:ext uri="{FF2B5EF4-FFF2-40B4-BE49-F238E27FC236}">
+                <a16:creationId xmlns:a16="http://schemas.microsoft.com/office/drawing/2014/main" id="{C5AD059F-DCC6-448F-9C55-3DA398409E66}"/>
+              </a:ext>
+            </a:extLst>
+          </p:cNvPr>
+          <p:cNvSpPr/>
+          <p:nvPr/>
+        </p:nvSpPr>
+        <p:spPr>
+          <a:xfrm>
+            <a:off x="6853383" y="4987633"/>
+            <a:ext cx="1256146" cy="1260763"/>
+          </a:xfrm>
+          <a:prstGeom prst="flowChartProcess">
+            <a:avLst/>
+          </a:prstGeom>
+        </p:spPr>
+        <p:style>
+          <a:lnRef idx="2">
+            <a:schemeClr val="accent2">
+              <a:shade val="50000"/>
+            </a:schemeClr>
+          </a:lnRef>
+          <a:fillRef idx="1">
+            <a:schemeClr val="accent2"/>
+          </a:fillRef>
+          <a:effectRef idx="0">
+            <a:schemeClr val="accent2"/>
+          </a:effectRef>
+          <a:fontRef idx="minor">
+            <a:schemeClr val="lt1"/>
+          </a:fontRef>
+        </p:style>
+        <p:txBody>
+          <a:bodyPr rtlCol="0" anchor="ctr"/>
+          <a:lstStyle/>
+          <a:p>
+            <a:pPr algn="ctr"/>
+            <a:r>
+              <a:rPr lang="en-IN" dirty="0"/>
+              <a:t>Network</a:t>
+            </a:r>
+          </a:p>
+        </p:txBody>
+      </p:sp>
+      <p:sp>
+        <p:nvSpPr>
+          <p:cNvPr id="8" name="Flowchart: Process 7">
+            <a:extLst>
+              <a:ext uri="{FF2B5EF4-FFF2-40B4-BE49-F238E27FC236}">
+                <a16:creationId xmlns:a16="http://schemas.microsoft.com/office/drawing/2014/main" id="{D0EB7597-9BD0-43FB-907A-06CF2DF4AB88}"/>
+              </a:ext>
+            </a:extLst>
+          </p:cNvPr>
+          <p:cNvSpPr/>
+          <p:nvPr/>
+        </p:nvSpPr>
+        <p:spPr>
+          <a:xfrm>
+            <a:off x="3064289" y="4276436"/>
+            <a:ext cx="5045240" cy="711199"/>
+          </a:xfrm>
+          <a:prstGeom prst="flowChartProcess">
+            <a:avLst/>
+          </a:prstGeom>
+        </p:spPr>
+        <p:style>
+          <a:lnRef idx="2">
+            <a:schemeClr val="accent3">
+              <a:shade val="50000"/>
+            </a:schemeClr>
+          </a:lnRef>
+          <a:fillRef idx="1">
+            <a:schemeClr val="accent3"/>
+          </a:fillRef>
+          <a:effectRef idx="0">
+            <a:schemeClr val="accent3"/>
+          </a:effectRef>
+          <a:fontRef idx="minor">
+            <a:schemeClr val="lt1"/>
+          </a:fontRef>
+        </p:style>
+        <p:txBody>
+          <a:bodyPr rtlCol="0" anchor="ctr"/>
+          <a:lstStyle/>
+          <a:p>
+            <a:pPr algn="ctr"/>
+            <a:r>
+              <a:rPr lang="en-IN" dirty="0"/>
+              <a:t>OS</a:t>
+            </a:r>
+          </a:p>
+        </p:txBody>
+      </p:sp>
+      <p:sp>
+        <p:nvSpPr>
+          <p:cNvPr id="9" name="Flowchart: Process 8">
+            <a:extLst>
+              <a:ext uri="{FF2B5EF4-FFF2-40B4-BE49-F238E27FC236}">
+                <a16:creationId xmlns:a16="http://schemas.microsoft.com/office/drawing/2014/main" id="{46AFA0F9-E57D-4035-B73E-8977CC1AB6D1}"/>
+              </a:ext>
+            </a:extLst>
+          </p:cNvPr>
+          <p:cNvSpPr/>
+          <p:nvPr/>
+        </p:nvSpPr>
+        <p:spPr>
+          <a:xfrm>
+            <a:off x="3053962" y="3565234"/>
+            <a:ext cx="5045240" cy="711199"/>
+          </a:xfrm>
+          <a:prstGeom prst="flowChartProcess">
+            <a:avLst/>
+          </a:prstGeom>
+        </p:spPr>
+        <p:style>
+          <a:lnRef idx="2">
+            <a:schemeClr val="accent3">
+              <a:shade val="50000"/>
+            </a:schemeClr>
+          </a:lnRef>
+          <a:fillRef idx="1">
+            <a:schemeClr val="accent3"/>
+          </a:fillRef>
+          <a:effectRef idx="0">
+            <a:schemeClr val="accent3"/>
+          </a:effectRef>
+          <a:fontRef idx="minor">
+            <a:schemeClr val="lt1"/>
+          </a:fontRef>
+        </p:style>
+        <p:txBody>
+          <a:bodyPr rtlCol="0" anchor="ctr"/>
+          <a:lstStyle/>
+          <a:p>
+            <a:pPr algn="ctr"/>
+            <a:r>
+              <a:rPr lang="en-IN" dirty="0"/>
+              <a:t>Application</a:t>
+            </a:r>
+          </a:p>
+        </p:txBody>
+      </p:sp>
+    </p:spTree>
+    <p:extLst>
+      <p:ext uri="{BB962C8B-B14F-4D97-AF65-F5344CB8AC3E}">
+        <p14:creationId xmlns:p14="http://schemas.microsoft.com/office/powerpoint/2010/main" val="1044771117"/>
       </p:ext>
     </p:extLst>
   </p:cSld>
@@ -9082,10 +10721,9 @@
           <a:lstStyle/>
           <a:p>
             <a:r>
-              <a:rPr lang="en-IN"/>
+              <a:rPr lang="en-IN" dirty="0"/>
               <a:t>Virtualization</a:t>
             </a:r>
-            <a:endParaRPr lang="en-IN" dirty="0"/>
           </a:p>
         </p:txBody>
       </p:sp>

--- a/Cloud Basics.pptx
+++ b/Cloud Basics.pptx
@@ -27,6 +27,17 @@
     <p:sldId id="275" r:id="rId21"/>
     <p:sldId id="276" r:id="rId22"/>
     <p:sldId id="277" r:id="rId23"/>
+    <p:sldId id="279" r:id="rId24"/>
+    <p:sldId id="278" r:id="rId25"/>
+    <p:sldId id="280" r:id="rId26"/>
+    <p:sldId id="281" r:id="rId27"/>
+    <p:sldId id="282" r:id="rId28"/>
+    <p:sldId id="284" r:id="rId29"/>
+    <p:sldId id="283" r:id="rId30"/>
+    <p:sldId id="285" r:id="rId31"/>
+    <p:sldId id="286" r:id="rId32"/>
+    <p:sldId id="287" r:id="rId33"/>
+    <p:sldId id="288" r:id="rId34"/>
   </p:sldIdLst>
   <p:sldSz cx="12192000" cy="6858000"/>
   <p:notesSz cx="6858000" cy="9144000"/>
@@ -126,6 +137,34 @@
     </a:lvl9pPr>
   </p:defaultTextStyle>
 </p:presentation>
+</file>
+
+<file path=ppt/ink/ink1.xml><?xml version="1.0" encoding="utf-8"?>
+<inkml:ink xmlns:inkml="http://www.w3.org/2003/InkML">
+  <inkml:definitions>
+    <inkml:context xml:id="ctx0">
+      <inkml:inkSource xml:id="inkSrc0">
+        <inkml:traceFormat>
+          <inkml:channel name="X" type="integer" max="1920" units="cm"/>
+          <inkml:channel name="Y" type="integer" max="1080" units="cm"/>
+          <inkml:channel name="T" type="integer" max="2.14748E9" units="dev"/>
+        </inkml:traceFormat>
+        <inkml:channelProperties>
+          <inkml:channelProperty channel="X" name="resolution" value="55.81395" units="1/cm"/>
+          <inkml:channelProperty channel="Y" name="resolution" value="55.6701" units="1/cm"/>
+          <inkml:channelProperty channel="T" name="resolution" value="1" units="1/dev"/>
+        </inkml:channelProperties>
+      </inkml:inkSource>
+      <inkml:timestamp xml:id="ts0" timeString="2020-06-12T12:00:17.666"/>
+    </inkml:context>
+    <inkml:brush xml:id="br0">
+      <inkml:brushProperty name="width" value="0.05292" units="cm"/>
+      <inkml:brushProperty name="height" value="0.05292" units="cm"/>
+      <inkml:brushProperty name="color" value="#FF0000"/>
+    </inkml:brush>
+  </inkml:definitions>
+  <inkml:trace contextRef="#ctx0" brushRef="#br0">4480 12524 0,'0'17'125,"36"19"-109,16-1-16,1 0 16,247 89-1,194-1 17,-212-70-17,36-35 1,52-18-1,-88 0 1,89 0 15,52 52-15,-246-16 0,-54-36-1,89 0 1,-106 0-16,52 17 15,125 19 1,16 17 0,-122-36-1,-36-17 1,124 0 0,123-17-1,35-72 1,0 1-1,89-53 1,-142 106 15,-35-71-15,18 88 0,35 1-1,194-1 1,-194-17-1,-35 17 1,-106 18 0,-106-17-1,0-1 1,36 18 0,352 0-1,53-53 1,-18-35-1,-105-18 1,-106 35 15,-71 54-15,-35-36 0,123-18-1,-87 36 1,69-18-1,-52 53 1,0-18 0,-53 1-1,-18 17 1,18 0 0,194 0-1,-106-35 1,-17 17-1,35 18 1,246 0 15,-158 0-15,-35-71 0,-36 36-1,-123-18 1,-70 35-1,-54 1 1,-52 17 0,193 0-1,-52 0 1,0-18 0,35 1-1,0-54 1,52 18-1,107-53 1,388-35 15,-247 53-15,-159-18 0,-18 18-1,-35 0 1,-52 0-1,-72 35 1,54-18 0,-89 1-1,-17 17 1,17-18 0,1 0-1,17-17 1,-36 18-1,19-36 1,176-123 0,-89 52-1,-70-17 17,-106-35-17,1-53 1,34-177-1,-17 53 1,-36-88 0,1 71-1,0 35 1,-18 18 0,17-195-1,-35 177 1,-52-53-1,-71-35 1,-1 88 15,-17 53-15,-17 35 0,-89-88-1,-70 70 1,-71-70-1,89 106 1,-1 106 0,36 52-1,-36 36 1,-282-71 0,-35-17-1,-335 17 1,-71-17-1,71 17 17,159 106-32,70 53 31,123 0-15,-52 53-1,229-18 1,-88 36-1,-53-36 1,-1 53 0,-210 18-1,299-35 1,-18-1 0,18 18-1,-71 18 1,1-18-1,-230 54 17,300-37-17,-18-87 1,19 35 0,-125 17-1,-17 19 1,-18 17-1,106-54 1,-105 19 0,246-18-1,18 0 1,-36 17 0,36-34-1,88 34 1,0-52-1,-105 17 1,105 0 0,0 1 15,0-19-15,0 1-1,-18 0 1,-282 105-1,177-52 1,17 17 0,-17-18-1,-1 1 1,-17-36 0,35 18-1,-158 35 1,211-52-1,-17 17 1,70 35 0,0-35 15,0 17-15,-229 54-1,193-36 1,36 0-1,18 0 1,70-35 0,71 0-1,35-35 1,-53 52 0,53-34-1,18-19 1,-18 18-1,36 1 1,-36 17 0,-53 88 15,-141 141-15,18-35-1,35-18 1,17 36-1,89-89 1,-71 89 0,18-18-1,35 17 1,36-70 0,-54 53-1,107-176 1,-54 193-1,36-70 1,0-52 0,-18-1 15,0 17-15,17-16-1,-17 34 1,18-35-1,0-35 1,-18 35 0,18 53-1,17-35 1,0 88 0,1-53-1,17-18 1,0 1-1,0 52 1,88-35 0,-35-53 15,17 71-15,-17-71-1,18 53 1,17 53-1,-17-71 1,17-35 0,0 0-1,-17-88 1,-36 18 0,35-18-1,-17 17 1,0-17-1,-35-18 1,17 1 0,36 34 15,-18 1-15,17-1-1,18 1 1,-35-18-1,18 0 1,17 35 0,-35-35-1,18 0 1,34 0 0,72 35-1,17-18 1,18 1-1,-142-53 1,1-1 0,-18 1-1,35 0 17,88-18-17,-17 17 1,0 1-1,-106-18 1,-1 0 0,19 0-1,52 18 1,36-18 0,0 17-1,-36-17 1,-17 0-1,-35-17 1,-18-1 0,0 0-1,17-17 17,-17 17-17,35 1 1,-52-1-1,-1 18 1,35-35 0,-34 35-1,17-18 1,35 0 0,-18 1-1,-52-1 1,17 1-1,-17 17 1,0 0 0,-1 0 15,19-18 0,-19 18-15,18-18-1,1 18 1,-19 0 0,1 0 15,0 0 0,-1 0-31,-17-17 16,18 17-1,0-18 32,-1-70-31,18-71-16</inkml:trace>
+</inkml:ink>
 </file>
 
 <file path=ppt/slideLayouts/slideLayout1.xml><?xml version="1.0" encoding="utf-8"?>
@@ -9245,6 +9284,787 @@
 </p:sld>
 </file>
 
+<file path=ppt/slides/slide23.xml><?xml version="1.0" encoding="utf-8"?>
+<p:sld xmlns:a="http://schemas.openxmlformats.org/drawingml/2006/main" xmlns:r="http://schemas.openxmlformats.org/officeDocument/2006/relationships" xmlns:p="http://schemas.openxmlformats.org/presentationml/2006/main">
+  <p:cSld>
+    <p:spTree>
+      <p:nvGrpSpPr>
+        <p:cNvPr id="1" name=""/>
+        <p:cNvGrpSpPr/>
+        <p:nvPr/>
+      </p:nvGrpSpPr>
+      <p:grpSpPr>
+        <a:xfrm>
+          <a:off x="0" y="0"/>
+          <a:ext cx="0" cy="0"/>
+          <a:chOff x="0" y="0"/>
+          <a:chExt cx="0" cy="0"/>
+        </a:xfrm>
+      </p:grpSpPr>
+      <p:sp>
+        <p:nvSpPr>
+          <p:cNvPr id="2" name="Title 1">
+            <a:extLst>
+              <a:ext uri="{FF2B5EF4-FFF2-40B4-BE49-F238E27FC236}">
+                <a16:creationId xmlns:a16="http://schemas.microsoft.com/office/drawing/2014/main" id="{8ED39448-A149-4BCE-B6B9-8AA799F8C325}"/>
+              </a:ext>
+            </a:extLst>
+          </p:cNvPr>
+          <p:cNvSpPr>
+            <a:spLocks noGrp="1"/>
+          </p:cNvSpPr>
+          <p:nvPr>
+            <p:ph type="title"/>
+          </p:nvPr>
+        </p:nvSpPr>
+        <p:spPr/>
+        <p:txBody>
+          <a:bodyPr/>
+          <a:lstStyle/>
+          <a:p>
+            <a:r>
+              <a:rPr lang="en-IN" dirty="0"/>
+              <a:t>Public Clouds</a:t>
+            </a:r>
+          </a:p>
+        </p:txBody>
+      </p:sp>
+      <p:sp>
+        <p:nvSpPr>
+          <p:cNvPr id="3" name="Content Placeholder 2">
+            <a:extLst>
+              <a:ext uri="{FF2B5EF4-FFF2-40B4-BE49-F238E27FC236}">
+                <a16:creationId xmlns:a16="http://schemas.microsoft.com/office/drawing/2014/main" id="{DC19EB10-583B-436A-AAE8-EA8B265D21BD}"/>
+              </a:ext>
+            </a:extLst>
+          </p:cNvPr>
+          <p:cNvSpPr>
+            <a:spLocks noGrp="1"/>
+          </p:cNvSpPr>
+          <p:nvPr>
+            <p:ph idx="1"/>
+          </p:nvPr>
+        </p:nvSpPr>
+        <p:spPr/>
+        <p:txBody>
+          <a:bodyPr/>
+          <a:lstStyle/>
+          <a:p>
+            <a:r>
+              <a:rPr lang="en-IN" dirty="0"/>
+              <a:t>Amazon Web Services -&gt; IAAS</a:t>
+            </a:r>
+          </a:p>
+          <a:p>
+            <a:r>
+              <a:rPr lang="en-IN" dirty="0"/>
+              <a:t>Google Cloud -&gt; PAAS</a:t>
+            </a:r>
+          </a:p>
+          <a:p>
+            <a:r>
+              <a:rPr lang="en-IN" dirty="0"/>
+              <a:t>Azure Cloud -&gt; SAAS</a:t>
+            </a:r>
+          </a:p>
+          <a:p>
+            <a:r>
+              <a:rPr lang="en-IN" dirty="0"/>
+              <a:t>Digital Ocean</a:t>
+            </a:r>
+          </a:p>
+          <a:p>
+            <a:r>
+              <a:rPr lang="en-IN" dirty="0"/>
+              <a:t>Oracle Cloud – (PAAS) -Database</a:t>
+            </a:r>
+          </a:p>
+          <a:p>
+            <a:r>
+              <a:rPr lang="en-IN" dirty="0"/>
+              <a:t>IBM Cloud</a:t>
+            </a:r>
+          </a:p>
+        </p:txBody>
+      </p:sp>
+    </p:spTree>
+    <p:extLst>
+      <p:ext uri="{BB962C8B-B14F-4D97-AF65-F5344CB8AC3E}">
+        <p14:creationId xmlns:p14="http://schemas.microsoft.com/office/powerpoint/2010/main" val="2446683217"/>
+      </p:ext>
+    </p:extLst>
+  </p:cSld>
+  <p:clrMapOvr>
+    <a:masterClrMapping/>
+  </p:clrMapOvr>
+</p:sld>
+</file>
+
+<file path=ppt/slides/slide24.xml><?xml version="1.0" encoding="utf-8"?>
+<p:sld xmlns:a="http://schemas.openxmlformats.org/drawingml/2006/main" xmlns:r="http://schemas.openxmlformats.org/officeDocument/2006/relationships" xmlns:p="http://schemas.openxmlformats.org/presentationml/2006/main">
+  <p:cSld>
+    <p:spTree>
+      <p:nvGrpSpPr>
+        <p:cNvPr id="1" name=""/>
+        <p:cNvGrpSpPr/>
+        <p:nvPr/>
+      </p:nvGrpSpPr>
+      <p:grpSpPr>
+        <a:xfrm>
+          <a:off x="0" y="0"/>
+          <a:ext cx="0" cy="0"/>
+          <a:chOff x="0" y="0"/>
+          <a:chExt cx="0" cy="0"/>
+        </a:xfrm>
+      </p:grpSpPr>
+      <p:sp>
+        <p:nvSpPr>
+          <p:cNvPr id="2" name="Title 1">
+            <a:extLst>
+              <a:ext uri="{FF2B5EF4-FFF2-40B4-BE49-F238E27FC236}">
+                <a16:creationId xmlns:a16="http://schemas.microsoft.com/office/drawing/2014/main" id="{A0BABC9A-1B11-4D92-8F0D-80CB42E6F05A}"/>
+              </a:ext>
+            </a:extLst>
+          </p:cNvPr>
+          <p:cNvSpPr>
+            <a:spLocks noGrp="1"/>
+          </p:cNvSpPr>
+          <p:nvPr>
+            <p:ph type="title"/>
+          </p:nvPr>
+        </p:nvSpPr>
+        <p:spPr/>
+        <p:txBody>
+          <a:bodyPr/>
+          <a:lstStyle/>
+          <a:p>
+            <a:r>
+              <a:rPr lang="en-IN" dirty="0"/>
+              <a:t>Amazon Web Services</a:t>
+            </a:r>
+          </a:p>
+        </p:txBody>
+      </p:sp>
+      <p:sp>
+        <p:nvSpPr>
+          <p:cNvPr id="3" name="Content Placeholder 2">
+            <a:extLst>
+              <a:ext uri="{FF2B5EF4-FFF2-40B4-BE49-F238E27FC236}">
+                <a16:creationId xmlns:a16="http://schemas.microsoft.com/office/drawing/2014/main" id="{BD9E713A-CC6E-436E-8DA1-6E3843F63DBB}"/>
+              </a:ext>
+            </a:extLst>
+          </p:cNvPr>
+          <p:cNvSpPr>
+            <a:spLocks noGrp="1"/>
+          </p:cNvSpPr>
+          <p:nvPr>
+            <p:ph idx="1"/>
+          </p:nvPr>
+        </p:nvSpPr>
+        <p:spPr/>
+        <p:txBody>
+          <a:bodyPr/>
+          <a:lstStyle/>
+          <a:p>
+            <a:r>
+              <a:rPr lang="en-IN" dirty="0"/>
+              <a:t>EC2 -&gt; IAAS</a:t>
+            </a:r>
+          </a:p>
+          <a:p>
+            <a:r>
+              <a:rPr lang="en-IN" dirty="0"/>
+              <a:t>Elastic Map Reduce - &gt; PAAS</a:t>
+            </a:r>
+          </a:p>
+          <a:p>
+            <a:r>
+              <a:rPr lang="en-IN" dirty="0"/>
+              <a:t>Kinesis -&gt; PAAS</a:t>
+            </a:r>
+          </a:p>
+          <a:p>
+            <a:r>
+              <a:rPr lang="en-IN" dirty="0"/>
+              <a:t>S3 -&gt; PAAS</a:t>
+            </a:r>
+          </a:p>
+          <a:p>
+            <a:r>
+              <a:rPr lang="en-IN" dirty="0"/>
+              <a:t>Lambda - &gt; SAAS</a:t>
+            </a:r>
+          </a:p>
+          <a:p>
+            <a:r>
+              <a:rPr lang="en-IN" dirty="0"/>
+              <a:t>Redshift - &gt; PAAS</a:t>
+            </a:r>
+          </a:p>
+          <a:p>
+            <a:r>
+              <a:rPr lang="en-IN" dirty="0"/>
+              <a:t>GLUE - &gt; PAAS</a:t>
+            </a:r>
+          </a:p>
+        </p:txBody>
+      </p:sp>
+    </p:spTree>
+    <p:extLst>
+      <p:ext uri="{BB962C8B-B14F-4D97-AF65-F5344CB8AC3E}">
+        <p14:creationId xmlns:p14="http://schemas.microsoft.com/office/powerpoint/2010/main" val="111579808"/>
+      </p:ext>
+    </p:extLst>
+  </p:cSld>
+  <p:clrMapOvr>
+    <a:masterClrMapping/>
+  </p:clrMapOvr>
+</p:sld>
+</file>
+
+<file path=ppt/slides/slide25.xml><?xml version="1.0" encoding="utf-8"?>
+<p:sld xmlns:a="http://schemas.openxmlformats.org/drawingml/2006/main" xmlns:r="http://schemas.openxmlformats.org/officeDocument/2006/relationships" xmlns:p="http://schemas.openxmlformats.org/presentationml/2006/main">
+  <p:cSld>
+    <p:spTree>
+      <p:nvGrpSpPr>
+        <p:cNvPr id="1" name=""/>
+        <p:cNvGrpSpPr/>
+        <p:nvPr/>
+      </p:nvGrpSpPr>
+      <p:grpSpPr>
+        <a:xfrm>
+          <a:off x="0" y="0"/>
+          <a:ext cx="0" cy="0"/>
+          <a:chOff x="0" y="0"/>
+          <a:chExt cx="0" cy="0"/>
+        </a:xfrm>
+      </p:grpSpPr>
+      <p:sp>
+        <p:nvSpPr>
+          <p:cNvPr id="2" name="Title 1">
+            <a:extLst>
+              <a:ext uri="{FF2B5EF4-FFF2-40B4-BE49-F238E27FC236}">
+                <a16:creationId xmlns:a16="http://schemas.microsoft.com/office/drawing/2014/main" id="{20973C10-5361-4969-8386-03EF53677A4A}"/>
+              </a:ext>
+            </a:extLst>
+          </p:cNvPr>
+          <p:cNvSpPr>
+            <a:spLocks noGrp="1"/>
+          </p:cNvSpPr>
+          <p:nvPr>
+            <p:ph type="ctrTitle"/>
+          </p:nvPr>
+        </p:nvSpPr>
+        <p:spPr/>
+        <p:txBody>
+          <a:bodyPr/>
+          <a:lstStyle/>
+          <a:p>
+            <a:r>
+              <a:rPr lang="en-IN" dirty="0"/>
+              <a:t>Hadoop Basics</a:t>
+            </a:r>
+          </a:p>
+        </p:txBody>
+      </p:sp>
+      <p:sp>
+        <p:nvSpPr>
+          <p:cNvPr id="3" name="Subtitle 2">
+            <a:extLst>
+              <a:ext uri="{FF2B5EF4-FFF2-40B4-BE49-F238E27FC236}">
+                <a16:creationId xmlns:a16="http://schemas.microsoft.com/office/drawing/2014/main" id="{25D26790-9C6E-4232-8E50-550E1ED5A0CA}"/>
+              </a:ext>
+            </a:extLst>
+          </p:cNvPr>
+          <p:cNvSpPr>
+            <a:spLocks noGrp="1"/>
+          </p:cNvSpPr>
+          <p:nvPr>
+            <p:ph type="subTitle" idx="1"/>
+          </p:nvPr>
+        </p:nvSpPr>
+        <p:spPr/>
+        <p:txBody>
+          <a:bodyPr/>
+          <a:lstStyle/>
+          <a:p>
+            <a:r>
+              <a:rPr lang="en-IN" dirty="0"/>
+              <a:t>Karthick Selvam</a:t>
+            </a:r>
+          </a:p>
+        </p:txBody>
+      </p:sp>
+    </p:spTree>
+    <p:extLst>
+      <p:ext uri="{BB962C8B-B14F-4D97-AF65-F5344CB8AC3E}">
+        <p14:creationId xmlns:p14="http://schemas.microsoft.com/office/powerpoint/2010/main" val="3818437980"/>
+      </p:ext>
+    </p:extLst>
+  </p:cSld>
+  <p:clrMapOvr>
+    <a:masterClrMapping/>
+  </p:clrMapOvr>
+</p:sld>
+</file>
+
+<file path=ppt/slides/slide26.xml><?xml version="1.0" encoding="utf-8"?>
+<p:sld xmlns:a="http://schemas.openxmlformats.org/drawingml/2006/main" xmlns:r="http://schemas.openxmlformats.org/officeDocument/2006/relationships" xmlns:p="http://schemas.openxmlformats.org/presentationml/2006/main">
+  <p:cSld>
+    <p:spTree>
+      <p:nvGrpSpPr>
+        <p:cNvPr id="1" name=""/>
+        <p:cNvGrpSpPr/>
+        <p:nvPr/>
+      </p:nvGrpSpPr>
+      <p:grpSpPr>
+        <a:xfrm>
+          <a:off x="0" y="0"/>
+          <a:ext cx="0" cy="0"/>
+          <a:chOff x="0" y="0"/>
+          <a:chExt cx="0" cy="0"/>
+        </a:xfrm>
+      </p:grpSpPr>
+      <p:sp>
+        <p:nvSpPr>
+          <p:cNvPr id="2" name="Title 1">
+            <a:extLst>
+              <a:ext uri="{FF2B5EF4-FFF2-40B4-BE49-F238E27FC236}">
+                <a16:creationId xmlns:a16="http://schemas.microsoft.com/office/drawing/2014/main" id="{5FFE16D2-5DF6-4041-854E-397495535E38}"/>
+              </a:ext>
+            </a:extLst>
+          </p:cNvPr>
+          <p:cNvSpPr>
+            <a:spLocks noGrp="1"/>
+          </p:cNvSpPr>
+          <p:nvPr>
+            <p:ph type="title"/>
+          </p:nvPr>
+        </p:nvSpPr>
+        <p:spPr/>
+        <p:txBody>
+          <a:bodyPr/>
+          <a:lstStyle/>
+          <a:p>
+            <a:r>
+              <a:rPr lang="en-IN" dirty="0"/>
+              <a:t>DATAs</a:t>
+            </a:r>
+          </a:p>
+        </p:txBody>
+      </p:sp>
+      <p:sp>
+        <p:nvSpPr>
+          <p:cNvPr id="3" name="Content Placeholder 2">
+            <a:extLst>
+              <a:ext uri="{FF2B5EF4-FFF2-40B4-BE49-F238E27FC236}">
+                <a16:creationId xmlns:a16="http://schemas.microsoft.com/office/drawing/2014/main" id="{290C169D-6CFB-446B-8000-ADCE1C61FB45}"/>
+              </a:ext>
+            </a:extLst>
+          </p:cNvPr>
+          <p:cNvSpPr>
+            <a:spLocks noGrp="1"/>
+          </p:cNvSpPr>
+          <p:nvPr>
+            <p:ph idx="1"/>
+          </p:nvPr>
+        </p:nvSpPr>
+        <p:spPr/>
+        <p:txBody>
+          <a:bodyPr/>
+          <a:lstStyle/>
+          <a:p>
+            <a:r>
+              <a:rPr lang="en-IN" dirty="0"/>
+              <a:t>As of the current scenario companies are facing lots and lots of trouble to save and process the data in time</a:t>
+            </a:r>
+          </a:p>
+          <a:p>
+            <a:r>
+              <a:rPr lang="en-IN" dirty="0"/>
+              <a:t>Because of these limitations in storage and computing medium they been found some solution to solve the issue that’s s nothing but Hadoop</a:t>
+            </a:r>
+          </a:p>
+          <a:p>
+            <a:r>
+              <a:rPr lang="en-IN" dirty="0"/>
+              <a:t>While publishing college results on first day 5 hours how slow your database will be?</a:t>
+            </a:r>
+          </a:p>
+          <a:p>
+            <a:r>
+              <a:rPr lang="en-IN" dirty="0"/>
+              <a:t>Your database application got some limitation to server only particular request at particular timing, if u cross those limits sure it wont respond that’s why its very slow</a:t>
+            </a:r>
+          </a:p>
+        </p:txBody>
+      </p:sp>
+    </p:spTree>
+    <p:extLst>
+      <p:ext uri="{BB962C8B-B14F-4D97-AF65-F5344CB8AC3E}">
+        <p14:creationId xmlns:p14="http://schemas.microsoft.com/office/powerpoint/2010/main" val="28152851"/>
+      </p:ext>
+    </p:extLst>
+  </p:cSld>
+  <p:clrMapOvr>
+    <a:masterClrMapping/>
+  </p:clrMapOvr>
+</p:sld>
+</file>
+
+<file path=ppt/slides/slide27.xml><?xml version="1.0" encoding="utf-8"?>
+<p:sld xmlns:a="http://schemas.openxmlformats.org/drawingml/2006/main" xmlns:r="http://schemas.openxmlformats.org/officeDocument/2006/relationships" xmlns:p="http://schemas.openxmlformats.org/presentationml/2006/main">
+  <p:cSld>
+    <p:spTree>
+      <p:nvGrpSpPr>
+        <p:cNvPr id="1" name=""/>
+        <p:cNvGrpSpPr/>
+        <p:nvPr/>
+      </p:nvGrpSpPr>
+      <p:grpSpPr>
+        <a:xfrm>
+          <a:off x="0" y="0"/>
+          <a:ext cx="0" cy="0"/>
+          <a:chOff x="0" y="0"/>
+          <a:chExt cx="0" cy="0"/>
+        </a:xfrm>
+      </p:grpSpPr>
+      <p:sp>
+        <p:nvSpPr>
+          <p:cNvPr id="2" name="Title 1">
+            <a:extLst>
+              <a:ext uri="{FF2B5EF4-FFF2-40B4-BE49-F238E27FC236}">
+                <a16:creationId xmlns:a16="http://schemas.microsoft.com/office/drawing/2014/main" id="{BBA7E54E-7E2B-4696-8E0E-B385E288056D}"/>
+              </a:ext>
+            </a:extLst>
+          </p:cNvPr>
+          <p:cNvSpPr>
+            <a:spLocks noGrp="1"/>
+          </p:cNvSpPr>
+          <p:nvPr>
+            <p:ph type="title"/>
+          </p:nvPr>
+        </p:nvSpPr>
+        <p:spPr/>
+        <p:txBody>
+          <a:bodyPr/>
+          <a:lstStyle/>
+          <a:p>
+            <a:r>
+              <a:rPr lang="en-IN" dirty="0"/>
+              <a:t>How Hadoop Solve the issue?</a:t>
+            </a:r>
+          </a:p>
+        </p:txBody>
+      </p:sp>
+      <p:sp>
+        <p:nvSpPr>
+          <p:cNvPr id="3" name="Content Placeholder 2">
+            <a:extLst>
+              <a:ext uri="{FF2B5EF4-FFF2-40B4-BE49-F238E27FC236}">
+                <a16:creationId xmlns:a16="http://schemas.microsoft.com/office/drawing/2014/main" id="{2879B477-E3E3-4E38-91D4-2ECB3718D6FC}"/>
+              </a:ext>
+            </a:extLst>
+          </p:cNvPr>
+          <p:cNvSpPr>
+            <a:spLocks noGrp="1"/>
+          </p:cNvSpPr>
+          <p:nvPr>
+            <p:ph idx="1"/>
+          </p:nvPr>
+        </p:nvSpPr>
+        <p:spPr/>
+        <p:txBody>
+          <a:bodyPr/>
+          <a:lstStyle/>
+          <a:p>
+            <a:r>
+              <a:rPr lang="en-IN" dirty="0"/>
+              <a:t>Distributed Computing – clustering of multiple machines to perform some task</a:t>
+            </a:r>
+          </a:p>
+          <a:p>
+            <a:r>
+              <a:rPr lang="en-IN" dirty="0"/>
+              <a:t>Clustering can be done via 2 types</a:t>
+            </a:r>
+          </a:p>
+          <a:p>
+            <a:r>
+              <a:rPr lang="en-IN" dirty="0"/>
+              <a:t>Computing – RAM and CPU(10 machines with 2 </a:t>
+            </a:r>
+            <a:r>
+              <a:rPr lang="en-IN" dirty="0" err="1"/>
+              <a:t>gb</a:t>
+            </a:r>
+            <a:r>
+              <a:rPr lang="en-IN" dirty="0"/>
+              <a:t> ram and 2 core processor- this mechanism it will make one logical space that will combine all the computing resource in the cluster and show you as single logical unit)</a:t>
+            </a:r>
+          </a:p>
+          <a:p>
+            <a:r>
+              <a:rPr lang="en-IN" dirty="0"/>
+              <a:t>Storage - Hard drive</a:t>
+            </a:r>
+          </a:p>
+        </p:txBody>
+      </p:sp>
+    </p:spTree>
+    <p:extLst>
+      <p:ext uri="{BB962C8B-B14F-4D97-AF65-F5344CB8AC3E}">
+        <p14:creationId xmlns:p14="http://schemas.microsoft.com/office/powerpoint/2010/main" val="2645132017"/>
+      </p:ext>
+    </p:extLst>
+  </p:cSld>
+  <p:clrMapOvr>
+    <a:masterClrMapping/>
+  </p:clrMapOvr>
+</p:sld>
+</file>
+
+<file path=ppt/slides/slide28.xml><?xml version="1.0" encoding="utf-8"?>
+<p:sld xmlns:a="http://schemas.openxmlformats.org/drawingml/2006/main" xmlns:r="http://schemas.openxmlformats.org/officeDocument/2006/relationships" xmlns:p="http://schemas.openxmlformats.org/presentationml/2006/main">
+  <p:cSld>
+    <p:spTree>
+      <p:nvGrpSpPr>
+        <p:cNvPr id="1" name=""/>
+        <p:cNvGrpSpPr/>
+        <p:nvPr/>
+      </p:nvGrpSpPr>
+      <p:grpSpPr>
+        <a:xfrm>
+          <a:off x="0" y="0"/>
+          <a:ext cx="0" cy="0"/>
+          <a:chOff x="0" y="0"/>
+          <a:chExt cx="0" cy="0"/>
+        </a:xfrm>
+      </p:grpSpPr>
+      <p:sp>
+        <p:nvSpPr>
+          <p:cNvPr id="2" name="Title 1">
+            <a:extLst>
+              <a:ext uri="{FF2B5EF4-FFF2-40B4-BE49-F238E27FC236}">
+                <a16:creationId xmlns:a16="http://schemas.microsoft.com/office/drawing/2014/main" id="{9AA08570-A271-4AF7-9736-4EB7FC896C18}"/>
+              </a:ext>
+            </a:extLst>
+          </p:cNvPr>
+          <p:cNvSpPr>
+            <a:spLocks noGrp="1"/>
+          </p:cNvSpPr>
+          <p:nvPr>
+            <p:ph type="title"/>
+          </p:nvPr>
+        </p:nvSpPr>
+        <p:spPr/>
+        <p:txBody>
+          <a:bodyPr/>
+          <a:lstStyle/>
+          <a:p>
+            <a:endParaRPr lang="en-IN"/>
+          </a:p>
+        </p:txBody>
+      </p:sp>
+      <p:sp>
+        <p:nvSpPr>
+          <p:cNvPr id="3" name="Content Placeholder 2">
+            <a:extLst>
+              <a:ext uri="{FF2B5EF4-FFF2-40B4-BE49-F238E27FC236}">
+                <a16:creationId xmlns:a16="http://schemas.microsoft.com/office/drawing/2014/main" id="{08470F21-07D3-45F4-8D0B-F71A970C704D}"/>
+              </a:ext>
+            </a:extLst>
+          </p:cNvPr>
+          <p:cNvSpPr>
+            <a:spLocks noGrp="1"/>
+          </p:cNvSpPr>
+          <p:nvPr>
+            <p:ph idx="1"/>
+          </p:nvPr>
+        </p:nvSpPr>
+        <p:spPr/>
+        <p:txBody>
+          <a:bodyPr/>
+          <a:lstStyle/>
+          <a:p>
+            <a:r>
+              <a:rPr lang="en-IN" dirty="0"/>
+              <a:t>What is Storage?</a:t>
+            </a:r>
+          </a:p>
+          <a:p>
+            <a:r>
+              <a:rPr lang="en-IN" dirty="0"/>
+              <a:t>Storage is the logical combination of blocks and partitions</a:t>
+            </a:r>
+          </a:p>
+          <a:p>
+            <a:r>
+              <a:rPr lang="en-IN" dirty="0"/>
+              <a:t>What will be the need of File System?</a:t>
+            </a:r>
+          </a:p>
+          <a:p>
+            <a:r>
+              <a:rPr lang="en-IN" dirty="0"/>
+              <a:t>Method of handle those blocks and partitions to effectively store and retrieve the user </a:t>
+            </a:r>
+            <a:r>
+              <a:rPr lang="en-IN" dirty="0" err="1"/>
+              <a:t>datas</a:t>
+            </a:r>
+            <a:endParaRPr lang="en-IN" dirty="0"/>
+          </a:p>
+        </p:txBody>
+      </p:sp>
+    </p:spTree>
+    <p:extLst>
+      <p:ext uri="{BB962C8B-B14F-4D97-AF65-F5344CB8AC3E}">
+        <p14:creationId xmlns:p14="http://schemas.microsoft.com/office/powerpoint/2010/main" val="3853013978"/>
+      </p:ext>
+    </p:extLst>
+  </p:cSld>
+  <p:clrMapOvr>
+    <a:masterClrMapping/>
+  </p:clrMapOvr>
+</p:sld>
+</file>
+
+<file path=ppt/slides/slide29.xml><?xml version="1.0" encoding="utf-8"?>
+<p:sld xmlns:a="http://schemas.openxmlformats.org/drawingml/2006/main" xmlns:r="http://schemas.openxmlformats.org/officeDocument/2006/relationships" xmlns:p="http://schemas.openxmlformats.org/presentationml/2006/main">
+  <p:cSld>
+    <p:spTree>
+      <p:nvGrpSpPr>
+        <p:cNvPr id="1" name=""/>
+        <p:cNvGrpSpPr/>
+        <p:nvPr/>
+      </p:nvGrpSpPr>
+      <p:grpSpPr>
+        <a:xfrm>
+          <a:off x="0" y="0"/>
+          <a:ext cx="0" cy="0"/>
+          <a:chOff x="0" y="0"/>
+          <a:chExt cx="0" cy="0"/>
+        </a:xfrm>
+      </p:grpSpPr>
+      <p:sp>
+        <p:nvSpPr>
+          <p:cNvPr id="2" name="Title 1">
+            <a:extLst>
+              <a:ext uri="{FF2B5EF4-FFF2-40B4-BE49-F238E27FC236}">
+                <a16:creationId xmlns:a16="http://schemas.microsoft.com/office/drawing/2014/main" id="{08B97912-9277-4413-93EA-FCF35DFD53B2}"/>
+              </a:ext>
+            </a:extLst>
+          </p:cNvPr>
+          <p:cNvSpPr>
+            <a:spLocks noGrp="1"/>
+          </p:cNvSpPr>
+          <p:nvPr>
+            <p:ph type="title"/>
+          </p:nvPr>
+        </p:nvSpPr>
+        <p:spPr/>
+        <p:txBody>
+          <a:bodyPr/>
+          <a:lstStyle/>
+          <a:p>
+            <a:r>
+              <a:rPr lang="en-IN" dirty="0"/>
+              <a:t>Min and max volume</a:t>
+            </a:r>
+            <a:br>
+              <a:rPr lang="en-IN" dirty="0"/>
+            </a:br>
+            <a:r>
+              <a:rPr lang="en-IN" dirty="0"/>
+              <a:t>min and max file size it will support</a:t>
+            </a:r>
+          </a:p>
+        </p:txBody>
+      </p:sp>
+      <p:sp>
+        <p:nvSpPr>
+          <p:cNvPr id="3" name="Content Placeholder 2">
+            <a:extLst>
+              <a:ext uri="{FF2B5EF4-FFF2-40B4-BE49-F238E27FC236}">
+                <a16:creationId xmlns:a16="http://schemas.microsoft.com/office/drawing/2014/main" id="{F27F94C6-AC87-4E6A-9AB4-B5F78D48D620}"/>
+              </a:ext>
+            </a:extLst>
+          </p:cNvPr>
+          <p:cNvSpPr>
+            <a:spLocks noGrp="1"/>
+          </p:cNvSpPr>
+          <p:nvPr>
+            <p:ph idx="1"/>
+          </p:nvPr>
+        </p:nvSpPr>
+        <p:spPr/>
+        <p:txBody>
+          <a:bodyPr/>
+          <a:lstStyle/>
+          <a:p>
+            <a:r>
+              <a:rPr lang="en-IN" dirty="0"/>
+              <a:t>Fat</a:t>
+            </a:r>
+          </a:p>
+          <a:p>
+            <a:r>
+              <a:rPr lang="en-IN" dirty="0"/>
+              <a:t>Fat32</a:t>
+            </a:r>
+          </a:p>
+          <a:p>
+            <a:r>
+              <a:rPr lang="en-IN" dirty="0"/>
+              <a:t>NTFS</a:t>
+            </a:r>
+          </a:p>
+          <a:p>
+            <a:r>
+              <a:rPr lang="en-IN" dirty="0"/>
+              <a:t>Ext1</a:t>
+            </a:r>
+          </a:p>
+          <a:p>
+            <a:r>
+              <a:rPr lang="en-IN" dirty="0"/>
+              <a:t>Ext2</a:t>
+            </a:r>
+          </a:p>
+          <a:p>
+            <a:r>
+              <a:rPr lang="en-IN" dirty="0"/>
+              <a:t>Ext3</a:t>
+            </a:r>
+          </a:p>
+          <a:p>
+            <a:r>
+              <a:rPr lang="en-IN" dirty="0"/>
+              <a:t>Ext4</a:t>
+            </a:r>
+          </a:p>
+          <a:p>
+            <a:r>
+              <a:rPr lang="en-IN" dirty="0"/>
+              <a:t>OFS</a:t>
+            </a:r>
+          </a:p>
+        </p:txBody>
+      </p:sp>
+    </p:spTree>
+    <p:extLst>
+      <p:ext uri="{BB962C8B-B14F-4D97-AF65-F5344CB8AC3E}">
+        <p14:creationId xmlns:p14="http://schemas.microsoft.com/office/powerpoint/2010/main" val="4237666900"/>
+      </p:ext>
+    </p:extLst>
+  </p:cSld>
+  <p:clrMapOvr>
+    <a:masterClrMapping/>
+  </p:clrMapOvr>
+</p:sld>
+</file>
+
 <file path=ppt/slides/slide3.xml><?xml version="1.0" encoding="utf-8"?>
 <p:sld xmlns:a="http://schemas.openxmlformats.org/drawingml/2006/main" xmlns:r="http://schemas.openxmlformats.org/officeDocument/2006/relationships" xmlns:p="http://schemas.openxmlformats.org/presentationml/2006/main">
   <p:cSld>
@@ -9358,6 +10178,423 @@
     <p:extLst>
       <p:ext uri="{BB962C8B-B14F-4D97-AF65-F5344CB8AC3E}">
         <p14:creationId xmlns:p14="http://schemas.microsoft.com/office/powerpoint/2010/main" val="391876950"/>
+      </p:ext>
+    </p:extLst>
+  </p:cSld>
+  <p:clrMapOvr>
+    <a:masterClrMapping/>
+  </p:clrMapOvr>
+</p:sld>
+</file>
+
+<file path=ppt/slides/slide30.xml><?xml version="1.0" encoding="utf-8"?>
+<p:sld xmlns:a="http://schemas.openxmlformats.org/drawingml/2006/main" xmlns:r="http://schemas.openxmlformats.org/officeDocument/2006/relationships" xmlns:p="http://schemas.openxmlformats.org/presentationml/2006/main">
+  <p:cSld>
+    <p:spTree>
+      <p:nvGrpSpPr>
+        <p:cNvPr id="1" name=""/>
+        <p:cNvGrpSpPr/>
+        <p:nvPr/>
+      </p:nvGrpSpPr>
+      <p:grpSpPr>
+        <a:xfrm>
+          <a:off x="0" y="0"/>
+          <a:ext cx="0" cy="0"/>
+          <a:chOff x="0" y="0"/>
+          <a:chExt cx="0" cy="0"/>
+        </a:xfrm>
+      </p:grpSpPr>
+      <p:sp>
+        <p:nvSpPr>
+          <p:cNvPr id="2" name="Title 1">
+            <a:extLst>
+              <a:ext uri="{FF2B5EF4-FFF2-40B4-BE49-F238E27FC236}">
+                <a16:creationId xmlns:a16="http://schemas.microsoft.com/office/drawing/2014/main" id="{2462F654-9639-4BF9-AE12-9D5B4A61EDE3}"/>
+              </a:ext>
+            </a:extLst>
+          </p:cNvPr>
+          <p:cNvSpPr>
+            <a:spLocks noGrp="1"/>
+          </p:cNvSpPr>
+          <p:nvPr>
+            <p:ph type="title"/>
+          </p:nvPr>
+        </p:nvSpPr>
+        <p:spPr/>
+        <p:txBody>
+          <a:bodyPr/>
+          <a:lstStyle/>
+          <a:p>
+            <a:r>
+              <a:rPr lang="en-IN" dirty="0"/>
+              <a:t>Hadoop</a:t>
+            </a:r>
+          </a:p>
+        </p:txBody>
+      </p:sp>
+      <p:sp>
+        <p:nvSpPr>
+          <p:cNvPr id="3" name="Content Placeholder 2">
+            <a:extLst>
+              <a:ext uri="{FF2B5EF4-FFF2-40B4-BE49-F238E27FC236}">
+                <a16:creationId xmlns:a16="http://schemas.microsoft.com/office/drawing/2014/main" id="{57585923-BC75-4900-84DD-279132EB82F9}"/>
+              </a:ext>
+            </a:extLst>
+          </p:cNvPr>
+          <p:cNvSpPr>
+            <a:spLocks noGrp="1"/>
+          </p:cNvSpPr>
+          <p:nvPr>
+            <p:ph idx="1"/>
+          </p:nvPr>
+        </p:nvSpPr>
+        <p:spPr/>
+        <p:txBody>
+          <a:bodyPr/>
+          <a:lstStyle/>
+          <a:p>
+            <a:r>
+              <a:rPr lang="en-IN" dirty="0"/>
+              <a:t>They came up with separate file system concept that will support for distributed mechanism as well as to support the larger volumes of data </a:t>
+            </a:r>
+          </a:p>
+          <a:p>
+            <a:r>
+              <a:rPr lang="en-IN" dirty="0"/>
+              <a:t>HDFS -&gt; Hadoop Distributed File System, only one filesystem that Hadoop will support</a:t>
+            </a:r>
+          </a:p>
+          <a:p>
+            <a:r>
+              <a:rPr lang="en-IN" dirty="0"/>
+              <a:t>HDFS file system that got capability to extend and reduce its size depends upon requirement – Auto Scaling</a:t>
+            </a:r>
+          </a:p>
+        </p:txBody>
+      </p:sp>
+      <mc:AlternateContent xmlns:mc="http://schemas.openxmlformats.org/markup-compatibility/2006">
+        <mc:Choice xmlns:p14="http://schemas.microsoft.com/office/powerpoint/2010/main" Requires="p14">
+          <p:contentPart p14:bwMode="auto" r:id="rId2">
+            <p14:nvContentPartPr>
+              <p14:cNvPr id="4" name="Ink 3">
+                <a:extLst>
+                  <a:ext uri="{FF2B5EF4-FFF2-40B4-BE49-F238E27FC236}">
+                    <a16:creationId xmlns:a16="http://schemas.microsoft.com/office/drawing/2014/main" id="{88E8B92F-764F-42F0-9608-B10BEC29C8C0}"/>
+                  </a:ext>
+                </a:extLst>
+              </p14:cNvPr>
+              <p14:cNvContentPartPr/>
+              <p14:nvPr/>
+            </p14:nvContentPartPr>
+            <p14:xfrm>
+              <a:off x="266760" y="368280"/>
+              <a:ext cx="11157120" cy="4394520"/>
+            </p14:xfrm>
+          </p:contentPart>
+        </mc:Choice>
+        <mc:Fallback>
+          <p:pic>
+            <p:nvPicPr>
+              <p:cNvPr id="4" name="Ink 3">
+                <a:extLst>
+                  <a:ext uri="{FF2B5EF4-FFF2-40B4-BE49-F238E27FC236}">
+                    <a16:creationId xmlns:a16="http://schemas.microsoft.com/office/drawing/2014/main" id="{88E8B92F-764F-42F0-9608-B10BEC29C8C0}"/>
+                  </a:ext>
+                </a:extLst>
+              </p:cNvPr>
+              <p:cNvPicPr/>
+              <p:nvPr/>
+            </p:nvPicPr>
+            <p:blipFill>
+              <a:blip r:embed="rId3"/>
+              <a:stretch>
+                <a:fillRect/>
+              </a:stretch>
+            </p:blipFill>
+            <p:spPr>
+              <a:xfrm>
+                <a:off x="257400" y="358920"/>
+                <a:ext cx="11175840" cy="4413240"/>
+              </a:xfrm>
+              <a:prstGeom prst="rect">
+                <a:avLst/>
+              </a:prstGeom>
+            </p:spPr>
+          </p:pic>
+        </mc:Fallback>
+      </mc:AlternateContent>
+    </p:spTree>
+    <p:extLst>
+      <p:ext uri="{BB962C8B-B14F-4D97-AF65-F5344CB8AC3E}">
+        <p14:creationId xmlns:p14="http://schemas.microsoft.com/office/powerpoint/2010/main" val="881975476"/>
+      </p:ext>
+    </p:extLst>
+  </p:cSld>
+  <p:clrMapOvr>
+    <a:masterClrMapping/>
+  </p:clrMapOvr>
+</p:sld>
+</file>
+
+<file path=ppt/slides/slide31.xml><?xml version="1.0" encoding="utf-8"?>
+<p:sld xmlns:a="http://schemas.openxmlformats.org/drawingml/2006/main" xmlns:r="http://schemas.openxmlformats.org/officeDocument/2006/relationships" xmlns:p="http://schemas.openxmlformats.org/presentationml/2006/main">
+  <p:cSld>
+    <p:spTree>
+      <p:nvGrpSpPr>
+        <p:cNvPr id="1" name=""/>
+        <p:cNvGrpSpPr/>
+        <p:nvPr/>
+      </p:nvGrpSpPr>
+      <p:grpSpPr>
+        <a:xfrm>
+          <a:off x="0" y="0"/>
+          <a:ext cx="0" cy="0"/>
+          <a:chOff x="0" y="0"/>
+          <a:chExt cx="0" cy="0"/>
+        </a:xfrm>
+      </p:grpSpPr>
+      <p:sp>
+        <p:nvSpPr>
+          <p:cNvPr id="2" name="Title 1">
+            <a:extLst>
+              <a:ext uri="{FF2B5EF4-FFF2-40B4-BE49-F238E27FC236}">
+                <a16:creationId xmlns:a16="http://schemas.microsoft.com/office/drawing/2014/main" id="{90DD82B3-ABC8-485D-B5EE-81A0602221C0}"/>
+              </a:ext>
+            </a:extLst>
+          </p:cNvPr>
+          <p:cNvSpPr>
+            <a:spLocks noGrp="1"/>
+          </p:cNvSpPr>
+          <p:nvPr>
+            <p:ph type="title"/>
+          </p:nvPr>
+        </p:nvSpPr>
+        <p:spPr/>
+        <p:txBody>
+          <a:bodyPr/>
+          <a:lstStyle/>
+          <a:p>
+            <a:endParaRPr lang="en-IN"/>
+          </a:p>
+        </p:txBody>
+      </p:sp>
+      <p:pic>
+        <p:nvPicPr>
+          <p:cNvPr id="5" name="Content Placeholder 4">
+            <a:extLst>
+              <a:ext uri="{FF2B5EF4-FFF2-40B4-BE49-F238E27FC236}">
+                <a16:creationId xmlns:a16="http://schemas.microsoft.com/office/drawing/2014/main" id="{F9EFBA1B-BFAC-4C77-B702-F94DB3107544}"/>
+              </a:ext>
+            </a:extLst>
+          </p:cNvPr>
+          <p:cNvPicPr>
+            <a:picLocks noGrp="1" noChangeAspect="1"/>
+          </p:cNvPicPr>
+          <p:nvPr>
+            <p:ph idx="1"/>
+          </p:nvPr>
+        </p:nvPicPr>
+        <p:blipFill>
+          <a:blip r:embed="rId2">
+            <a:extLst>
+              <a:ext uri="{28A0092B-C50C-407E-A947-70E740481C1C}">
+                <a14:useLocalDpi xmlns:a14="http://schemas.microsoft.com/office/drawing/2010/main" val="0"/>
+              </a:ext>
+            </a:extLst>
+          </a:blip>
+          <a:stretch>
+            <a:fillRect/>
+          </a:stretch>
+        </p:blipFill>
+        <p:spPr>
+          <a:xfrm>
+            <a:off x="1" y="1"/>
+            <a:ext cx="12192000" cy="6863600"/>
+          </a:xfrm>
+        </p:spPr>
+      </p:pic>
+    </p:spTree>
+    <p:extLst>
+      <p:ext uri="{BB962C8B-B14F-4D97-AF65-F5344CB8AC3E}">
+        <p14:creationId xmlns:p14="http://schemas.microsoft.com/office/powerpoint/2010/main" val="845286089"/>
+      </p:ext>
+    </p:extLst>
+  </p:cSld>
+  <p:clrMapOvr>
+    <a:masterClrMapping/>
+  </p:clrMapOvr>
+</p:sld>
+</file>
+
+<file path=ppt/slides/slide32.xml><?xml version="1.0" encoding="utf-8"?>
+<p:sld xmlns:a="http://schemas.openxmlformats.org/drawingml/2006/main" xmlns:r="http://schemas.openxmlformats.org/officeDocument/2006/relationships" xmlns:p="http://schemas.openxmlformats.org/presentationml/2006/main">
+  <p:cSld>
+    <p:spTree>
+      <p:nvGrpSpPr>
+        <p:cNvPr id="1" name=""/>
+        <p:cNvGrpSpPr/>
+        <p:nvPr/>
+      </p:nvGrpSpPr>
+      <p:grpSpPr>
+        <a:xfrm>
+          <a:off x="0" y="0"/>
+          <a:ext cx="0" cy="0"/>
+          <a:chOff x="0" y="0"/>
+          <a:chExt cx="0" cy="0"/>
+        </a:xfrm>
+      </p:grpSpPr>
+      <p:sp>
+        <p:nvSpPr>
+          <p:cNvPr id="2" name="Title 1">
+            <a:extLst>
+              <a:ext uri="{FF2B5EF4-FFF2-40B4-BE49-F238E27FC236}">
+                <a16:creationId xmlns:a16="http://schemas.microsoft.com/office/drawing/2014/main" id="{BF2738CA-B22A-4734-BA29-C6B8F74ED039}"/>
+              </a:ext>
+            </a:extLst>
+          </p:cNvPr>
+          <p:cNvSpPr>
+            <a:spLocks noGrp="1"/>
+          </p:cNvSpPr>
+          <p:nvPr>
+            <p:ph type="title"/>
+          </p:nvPr>
+        </p:nvSpPr>
+        <p:spPr/>
+        <p:txBody>
+          <a:bodyPr/>
+          <a:lstStyle/>
+          <a:p>
+            <a:endParaRPr lang="en-IN"/>
+          </a:p>
+        </p:txBody>
+      </p:sp>
+      <p:sp>
+        <p:nvSpPr>
+          <p:cNvPr id="3" name="Content Placeholder 2">
+            <a:extLst>
+              <a:ext uri="{FF2B5EF4-FFF2-40B4-BE49-F238E27FC236}">
+                <a16:creationId xmlns:a16="http://schemas.microsoft.com/office/drawing/2014/main" id="{71345FB9-0EB3-4B99-865D-E2E871BA99AE}"/>
+              </a:ext>
+            </a:extLst>
+          </p:cNvPr>
+          <p:cNvSpPr>
+            <a:spLocks noGrp="1"/>
+          </p:cNvSpPr>
+          <p:nvPr>
+            <p:ph idx="1"/>
+          </p:nvPr>
+        </p:nvSpPr>
+        <p:spPr/>
+        <p:txBody>
+          <a:bodyPr/>
+          <a:lstStyle/>
+          <a:p>
+            <a:r>
+              <a:rPr lang="en-IN" dirty="0"/>
+              <a:t>Python</a:t>
+            </a:r>
+          </a:p>
+          <a:p>
+            <a:r>
+              <a:rPr lang="en-IN" dirty="0"/>
+              <a:t>MySQL</a:t>
+            </a:r>
+          </a:p>
+          <a:p>
+            <a:r>
+              <a:rPr lang="en-IN" dirty="0"/>
+              <a:t>Shell Scripting</a:t>
+            </a:r>
+          </a:p>
+        </p:txBody>
+      </p:sp>
+    </p:spTree>
+    <p:extLst>
+      <p:ext uri="{BB962C8B-B14F-4D97-AF65-F5344CB8AC3E}">
+        <p14:creationId xmlns:p14="http://schemas.microsoft.com/office/powerpoint/2010/main" val="1534204540"/>
+      </p:ext>
+    </p:extLst>
+  </p:cSld>
+  <p:clrMapOvr>
+    <a:masterClrMapping/>
+  </p:clrMapOvr>
+</p:sld>
+</file>
+
+<file path=ppt/slides/slide33.xml><?xml version="1.0" encoding="utf-8"?>
+<p:sld xmlns:a="http://schemas.openxmlformats.org/drawingml/2006/main" xmlns:r="http://schemas.openxmlformats.org/officeDocument/2006/relationships" xmlns:p="http://schemas.openxmlformats.org/presentationml/2006/main">
+  <p:cSld>
+    <p:spTree>
+      <p:nvGrpSpPr>
+        <p:cNvPr id="1" name=""/>
+        <p:cNvGrpSpPr/>
+        <p:nvPr/>
+      </p:nvGrpSpPr>
+      <p:grpSpPr>
+        <a:xfrm>
+          <a:off x="0" y="0"/>
+          <a:ext cx="0" cy="0"/>
+          <a:chOff x="0" y="0"/>
+          <a:chExt cx="0" cy="0"/>
+        </a:xfrm>
+      </p:grpSpPr>
+      <p:sp>
+        <p:nvSpPr>
+          <p:cNvPr id="2" name="Title 1">
+            <a:extLst>
+              <a:ext uri="{FF2B5EF4-FFF2-40B4-BE49-F238E27FC236}">
+                <a16:creationId xmlns:a16="http://schemas.microsoft.com/office/drawing/2014/main" id="{4DD594AA-25D8-4027-A9A2-041AC2A7A26C}"/>
+              </a:ext>
+            </a:extLst>
+          </p:cNvPr>
+          <p:cNvSpPr>
+            <a:spLocks noGrp="1"/>
+          </p:cNvSpPr>
+          <p:nvPr>
+            <p:ph type="title"/>
+          </p:nvPr>
+        </p:nvSpPr>
+        <p:spPr/>
+        <p:txBody>
+          <a:bodyPr/>
+          <a:lstStyle/>
+          <a:p>
+            <a:endParaRPr lang="en-IN"/>
+          </a:p>
+        </p:txBody>
+      </p:sp>
+      <p:sp>
+        <p:nvSpPr>
+          <p:cNvPr id="3" name="Content Placeholder 2">
+            <a:extLst>
+              <a:ext uri="{FF2B5EF4-FFF2-40B4-BE49-F238E27FC236}">
+                <a16:creationId xmlns:a16="http://schemas.microsoft.com/office/drawing/2014/main" id="{6F8899D5-F140-4073-8D25-B3F2E2A5DE6E}"/>
+              </a:ext>
+            </a:extLst>
+          </p:cNvPr>
+          <p:cNvSpPr>
+            <a:spLocks noGrp="1"/>
+          </p:cNvSpPr>
+          <p:nvPr>
+            <p:ph idx="1"/>
+          </p:nvPr>
+        </p:nvSpPr>
+        <p:spPr/>
+        <p:txBody>
+          <a:bodyPr/>
+          <a:lstStyle/>
+          <a:p>
+            <a:r>
+              <a:rPr lang="en-IN" dirty="0"/>
+              <a:t>w</a:t>
+            </a:r>
+          </a:p>
+        </p:txBody>
+      </p:sp>
+    </p:spTree>
+    <p:extLst>
+      <p:ext uri="{BB962C8B-B14F-4D97-AF65-F5344CB8AC3E}">
+        <p14:creationId xmlns:p14="http://schemas.microsoft.com/office/powerpoint/2010/main" val="1372704245"/>
       </p:ext>
     </p:extLst>
   </p:cSld>
